--- a/Credit risk.pptx
+++ b/Credit risk.pptx
@@ -32,17 +32,17 @@
     <p:sldId id="297" r:id="rId23"/>
     <p:sldId id="298" r:id="rId24"/>
     <p:sldId id="301" r:id="rId25"/>
-    <p:sldId id="290" r:id="rId26"/>
-    <p:sldId id="273" r:id="rId27"/>
-    <p:sldId id="300" r:id="rId28"/>
-    <p:sldId id="274" r:id="rId29"/>
-    <p:sldId id="276" r:id="rId30"/>
-    <p:sldId id="277" r:id="rId31"/>
-    <p:sldId id="278" r:id="rId32"/>
-    <p:sldId id="279" r:id="rId33"/>
-    <p:sldId id="280" r:id="rId34"/>
-    <p:sldId id="281" r:id="rId35"/>
-    <p:sldId id="282" r:id="rId36"/>
+    <p:sldId id="273" r:id="rId26"/>
+    <p:sldId id="300" r:id="rId27"/>
+    <p:sldId id="274" r:id="rId28"/>
+    <p:sldId id="276" r:id="rId29"/>
+    <p:sldId id="277" r:id="rId30"/>
+    <p:sldId id="278" r:id="rId31"/>
+    <p:sldId id="279" r:id="rId32"/>
+    <p:sldId id="280" r:id="rId33"/>
+    <p:sldId id="281" r:id="rId34"/>
+    <p:sldId id="282" r:id="rId35"/>
+    <p:sldId id="290" r:id="rId36"/>
     <p:sldId id="271" r:id="rId37"/>
   </p:sldIdLst>
   <p:sldSz cx="12192000" cy="6858000"/>
@@ -164,6 +164,10 @@
             <p14:sldId id="285"/>
             <p14:sldId id="302"/>
             <p14:sldId id="299"/>
+          </p14:sldIdLst>
+        </p14:section>
+        <p14:section name="Untitled Section" id="{93EE07BF-C775-4624-B08B-8D65835C48E3}">
+          <p14:sldIdLst>
             <p14:sldId id="263"/>
             <p14:sldId id="288"/>
             <p14:sldId id="291"/>
@@ -174,8 +178,11 @@
             <p14:sldId id="296"/>
             <p14:sldId id="297"/>
             <p14:sldId id="298"/>
+          </p14:sldIdLst>
+        </p14:section>
+        <p14:section name="Untitled Section" id="{C0B8581C-07D3-4CB9-9517-806AA118E9C2}">
+          <p14:sldIdLst>
             <p14:sldId id="301"/>
-            <p14:sldId id="290"/>
             <p14:sldId id="273"/>
             <p14:sldId id="300"/>
             <p14:sldId id="274"/>
@@ -186,6 +193,7 @@
             <p14:sldId id="280"/>
             <p14:sldId id="281"/>
             <p14:sldId id="282"/>
+            <p14:sldId id="290"/>
             <p14:sldId id="271"/>
           </p14:sldIdLst>
         </p14:section>
@@ -201,10 +209,10 @@
 <file path=ppt/revisionInfo.xml><?xml version="1.0" encoding="utf-8"?>
 <p1510:revInfo xmlns:a="http://schemas.openxmlformats.org/drawingml/2006/main" xmlns:r="http://schemas.openxmlformats.org/officeDocument/2006/relationships" xmlns:p1510="http://schemas.microsoft.com/office/powerpoint/2015/10/main">
   <p1510:revLst>
-    <p1510:client id="{28579CE4-EFDA-447E-933C-AC6AB9F89EB9}" v="35" dt="2024-02-01T15:10:26.040"/>
-    <p1510:client id="{48AD811C-6FA8-4556-912E-61DFBB9169D3}" v="443" dt="2024-02-01T17:33:44.437"/>
-    <p1510:client id="{4A44D126-3C01-48A7-863C-09979600A615}" v="180" dt="2024-02-01T17:38:35.730"/>
-    <p1510:client id="{7692E161-8146-49D1-8E18-C0049E5BBFFC}" v="89" dt="2024-02-02T06:41:51.836"/>
+    <p1510:client id="{7692E161-8146-49D1-8E18-C0049E5BBFFC}" v="4" dt="2024-02-23T10:56:52.870"/>
+    <p1510:client id="{8715CB2D-BE1B-4C0D-A346-C640A352D7FE}" v="6" dt="2024-02-23T10:36:30.636"/>
+    <p1510:client id="{FD4DEFBE-D9A5-48C1-A7AB-8189293E1A45}" v="3" dt="2024-02-23T10:35:11.169"/>
+    <p1510:client id="{FDEBE2F9-970D-48F1-AB7E-F9E13B9AA2FD}" v="11" dt="2024-02-23T10:55:39.631"/>
   </p1510:revLst>
 </p1510:revInfo>
 </file>
@@ -4282,7 +4290,7 @@
           <a:p>
             <a:fld id="{428848B0-9DAF-4B67-96FA-91DEF0217A2A}" type="datetimeFigureOut">
               <a:rPr lang="en-IN" smtClean="0"/>
-              <a:t>01-02-2024</a:t>
+              <a:t>23-02-2024</a:t>
             </a:fld>
             <a:endParaRPr lang="en-IN"/>
           </a:p>
@@ -4699,7 +4707,7 @@
           <a:p>
             <a:fld id="{F129F2E3-9FD3-4A14-9793-3BE15373C1D5}" type="slidenum">
               <a:rPr lang="en-IN" smtClean="0"/>
-              <a:t>29</a:t>
+              <a:t>28</a:t>
             </a:fld>
             <a:endParaRPr lang="en-IN"/>
           </a:p>
@@ -4867,7 +4875,7 @@
           <a:p>
             <a:fld id="{750A3CDE-61CF-4A04-B9FC-7ED4B05CEF5D}" type="datetime1">
               <a:rPr lang="en-IN" smtClean="0"/>
-              <a:t>01-02-2024</a:t>
+              <a:t>23-02-2024</a:t>
             </a:fld>
             <a:endParaRPr lang="en-IN"/>
           </a:p>
@@ -5079,7 +5087,7 @@
           <a:p>
             <a:fld id="{49E0C67F-06D8-4516-993B-2EF6598F1C66}" type="datetime1">
               <a:rPr lang="en-IN" smtClean="0"/>
-              <a:t>01-02-2024</a:t>
+              <a:t>23-02-2024</a:t>
             </a:fld>
             <a:endParaRPr lang="en-IN"/>
           </a:p>
@@ -5301,7 +5309,7 @@
           <a:p>
             <a:fld id="{67A7D118-0112-47E6-A39F-860DD57E3877}" type="datetime1">
               <a:rPr lang="en-IN" smtClean="0"/>
-              <a:t>01-02-2024</a:t>
+              <a:t>23-02-2024</a:t>
             </a:fld>
             <a:endParaRPr lang="en-IN"/>
           </a:p>
@@ -5513,7 +5521,7 @@
           <a:p>
             <a:fld id="{C7B9A1A6-C27B-4636-AD96-9DE9355433D0}" type="datetime1">
               <a:rPr lang="en-IN" smtClean="0"/>
-              <a:t>01-02-2024</a:t>
+              <a:t>23-02-2024</a:t>
             </a:fld>
             <a:endParaRPr lang="en-IN"/>
           </a:p>
@@ -5801,7 +5809,7 @@
           <a:p>
             <a:fld id="{9B3220E4-74D8-453A-AD18-6ACDE5A435B4}" type="datetime1">
               <a:rPr lang="en-IN" smtClean="0"/>
-              <a:t>01-02-2024</a:t>
+              <a:t>23-02-2024</a:t>
             </a:fld>
             <a:endParaRPr lang="en-IN"/>
           </a:p>
@@ -6081,7 +6089,7 @@
           <a:p>
             <a:fld id="{66F80F91-36E5-4B3B-B05A-E8A519F6033E}" type="datetime1">
               <a:rPr lang="en-IN" smtClean="0"/>
-              <a:t>01-02-2024</a:t>
+              <a:t>23-02-2024</a:t>
             </a:fld>
             <a:endParaRPr lang="en-IN"/>
           </a:p>
@@ -6508,7 +6516,7 @@
           <a:p>
             <a:fld id="{406D08AE-26D3-4F62-A3BF-115E172B3E84}" type="datetime1">
               <a:rPr lang="en-IN" smtClean="0"/>
-              <a:t>01-02-2024</a:t>
+              <a:t>23-02-2024</a:t>
             </a:fld>
             <a:endParaRPr lang="en-IN"/>
           </a:p>
@@ -6662,7 +6670,7 @@
           <a:p>
             <a:fld id="{0DA53352-34FF-4F39-813A-F1B60FCCA560}" type="datetime1">
               <a:rPr lang="en-IN" smtClean="0"/>
-              <a:t>01-02-2024</a:t>
+              <a:t>23-02-2024</a:t>
             </a:fld>
             <a:endParaRPr lang="en-IN"/>
           </a:p>
@@ -6787,7 +6795,7 @@
           <a:p>
             <a:fld id="{45812D5A-0E26-4C44-9EFF-760D9F0EF9CF}" type="datetime1">
               <a:rPr lang="en-IN" smtClean="0"/>
-              <a:t>01-02-2024</a:t>
+              <a:t>23-02-2024</a:t>
             </a:fld>
             <a:endParaRPr lang="en-IN"/>
           </a:p>
@@ -7112,7 +7120,7 @@
           <a:p>
             <a:fld id="{C1A91C03-B8DC-4727-8690-F5525BDE9A87}" type="datetime1">
               <a:rPr lang="en-IN" smtClean="0"/>
-              <a:t>01-02-2024</a:t>
+              <a:t>23-02-2024</a:t>
             </a:fld>
             <a:endParaRPr lang="en-IN"/>
           </a:p>
@@ -7413,7 +7421,7 @@
           <a:p>
             <a:fld id="{86E0BE6E-0701-441D-A1DB-D7EFFA4BEF22}" type="datetime1">
               <a:rPr lang="en-IN" smtClean="0"/>
-              <a:t>01-02-2024</a:t>
+              <a:t>23-02-2024</a:t>
             </a:fld>
             <a:endParaRPr lang="en-IN"/>
           </a:p>
@@ -7677,7 +7685,7 @@
           <a:p>
             <a:fld id="{66CB3DE7-C1FF-40AA-B4F7-7A0CE00BD941}" type="datetime1">
               <a:rPr lang="en-IN" smtClean="0"/>
-              <a:t>01-02-2024</a:t>
+              <a:t>23-02-2024</a:t>
             </a:fld>
             <a:endParaRPr lang="en-IN"/>
           </a:p>
@@ -8185,15 +8193,12 @@
                     </a:srgbClr>
                   </a:outerShdw>
                 </a:effectLst>
-                <a:latin typeface="Baskerville Old Face" panose="02020602080505020303" pitchFamily="18" charset="0"/>
+                <a:latin typeface="Baskerville Old Face"/>
               </a:rPr>
               <a:t>Credit Risk Prediction</a:t>
             </a:r>
             <a:br>
               <a:rPr lang="en-US" sz="5400" b="1">
-                <a:solidFill>
-                  <a:schemeClr val="bg1"/>
-                </a:solidFill>
                 <a:effectLst>
                   <a:outerShdw blurRad="38100" dist="38100" dir="2700000" algn="tl">
                     <a:srgbClr val="000000">
@@ -8216,15 +8221,12 @@
                     </a:srgbClr>
                   </a:outerShdw>
                 </a:effectLst>
-                <a:latin typeface="Bahnschrift Condensed" panose="020B0502040204020203" pitchFamily="34" charset="0"/>
+                <a:latin typeface="Bahnschrift Condensed"/>
               </a:rPr>
               <a:t>Classification Project</a:t>
             </a:r>
             <a:br>
               <a:rPr lang="en-IN" sz="5400">
-                <a:solidFill>
-                  <a:schemeClr val="bg1"/>
-                </a:solidFill>
                 <a:effectLst>
                   <a:outerShdw blurRad="38100" dist="38100" dir="2700000" algn="tl">
                     <a:srgbClr val="000000">
@@ -8415,6 +8417,9 @@
               <a:rPr lang="en-IN" sz="2000"/>
               <a:t>A.VASUDEV</a:t>
             </a:r>
+            <a:endParaRPr lang="en-IN" sz="2000">
+              <a:cs typeface="Calibri"/>
+            </a:endParaRPr>
           </a:p>
           <a:p>
             <a:pPr marL="342900" indent="-342900">
@@ -8424,6 +8429,9 @@
               <a:rPr lang="en-IN" sz="2000"/>
               <a:t>K.MANIKANTA</a:t>
             </a:r>
+            <a:endParaRPr lang="en-IN" sz="2000">
+              <a:cs typeface="Calibri"/>
+            </a:endParaRPr>
           </a:p>
           <a:p>
             <a:pPr marL="342900" indent="-342900">
@@ -8434,6 +8442,9 @@
               <a:rPr lang="en-IN" sz="2000"/>
               <a:t>A.AAKASH</a:t>
             </a:r>
+            <a:endParaRPr lang="en-IN" sz="2000">
+              <a:cs typeface="Calibri"/>
+            </a:endParaRPr>
           </a:p>
         </p:txBody>
       </p:sp>
@@ -8460,7 +8471,7 @@
           <a:noFill/>
         </p:spPr>
         <p:txBody>
-          <a:bodyPr wrap="square" rtlCol="0">
+          <a:bodyPr wrap="square" lIns="91440" tIns="45720" rIns="91440" bIns="45720" rtlCol="0" anchor="t">
             <a:spAutoFit/>
           </a:bodyPr>
           <a:lstStyle/>
@@ -13556,7 +13567,7 @@
           <p:nvPr>
             <p:extLst>
               <p:ext uri="{D42A27DB-BD31-4B8C-83A1-F6EECF244321}">
-                <p14:modId xmlns:p14="http://schemas.microsoft.com/office/powerpoint/2010/main" val="3686914410"/>
+                <p14:modId xmlns:p14="http://schemas.microsoft.com/office/powerpoint/2010/main" val="585675784"/>
               </p:ext>
             </p:extLst>
           </p:nvPr>
@@ -14617,7 +14628,7 @@
                           </a:solidFill>
                           <a:latin typeface="+mj-lt"/>
                         </a:rPr>
-                        <a:t>Conclusion</a:t>
+                        <a:t>Appendix</a:t>
                       </a:r>
                     </a:p>
                   </a:txBody>
@@ -14736,21 +14747,20 @@
                     <a:bodyPr/>
                     <a:lstStyle/>
                     <a:p>
-                      <a:pPr algn="l"/>
+                      <a:pPr lvl="0" algn="l">
+                        <a:buNone/>
+                      </a:pPr>
                       <a:r>
-                        <a:rPr lang="en-US" sz="2400" b="0" i="0" dirty="0">
+                        <a:rPr lang="en-US" sz="2400" b="0" i="0" u="none" strike="noStrike" noProof="0">
                           <a:solidFill>
                             <a:schemeClr val="tx1"/>
                           </a:solidFill>
-                          <a:latin typeface="+mj-lt"/>
+                          <a:latin typeface="Calibri Light"/>
                         </a:rPr>
-                        <a:t>Appendix</a:t>
+                        <a:t>Conclusion</a:t>
                       </a:r>
-                      <a:endParaRPr lang="en-IN" sz="2400" b="0" i="0" dirty="0">
-                        <a:solidFill>
-                          <a:schemeClr val="tx1"/>
-                        </a:solidFill>
-                        <a:latin typeface="+mj-lt"/>
+                      <a:endParaRPr lang="en-US">
+                        <a:latin typeface="Calibri Light"/>
                       </a:endParaRPr>
                     </a:p>
                   </a:txBody>
@@ -14801,20 +14811,14 @@
                     <a:p>
                       <a:pPr algn="ctr"/>
                       <a:r>
-                        <a:rPr lang="en-US" sz="2400" b="0" i="0" dirty="0">
+                        <a:rPr lang="en-US" sz="2400" b="0" i="0">
                           <a:solidFill>
                             <a:schemeClr val="tx1"/>
                           </a:solidFill>
                           <a:latin typeface="+mj-lt"/>
                         </a:rPr>
-                        <a:t>27</a:t>
+                        <a:t>35</a:t>
                       </a:r>
-                      <a:endParaRPr lang="en-IN" sz="2400" b="0" i="0" dirty="0">
-                        <a:solidFill>
-                          <a:schemeClr val="tx1"/>
-                        </a:solidFill>
-                        <a:latin typeface="+mj-lt"/>
-                      </a:endParaRPr>
                     </a:p>
                   </a:txBody>
                   <a:tcPr>
@@ -17164,7 +17168,7 @@
                     <a:lstStyle/>
                     <a:p>
                       <a:r>
-                        <a:rPr lang="en-US" b="1" dirty="0">
+                        <a:rPr lang="en-US" b="1">
                           <a:solidFill>
                             <a:srgbClr val="00B050"/>
                           </a:solidFill>
@@ -17172,7 +17176,7 @@
                         </a:rPr>
                         <a:t>74.5%</a:t>
                       </a:r>
-                      <a:endParaRPr lang="en-IN" b="1" dirty="0">
+                      <a:endParaRPr lang="en-IN" b="1">
                         <a:solidFill>
                           <a:srgbClr val="00B050"/>
                         </a:solidFill>
@@ -17886,12 +17890,12 @@
                     <a:lstStyle/>
                     <a:p>
                       <a:r>
-                        <a:rPr lang="en-US" b="1" dirty="0">
+                        <a:rPr lang="en-US" b="1">
                           <a:latin typeface="Arial"/>
                         </a:rPr>
                         <a:t>70.29%</a:t>
                       </a:r>
-                      <a:endParaRPr lang="en-IN" b="1" dirty="0">
+                      <a:endParaRPr lang="en-IN" b="1">
                         <a:latin typeface="Arial"/>
                       </a:endParaRPr>
                     </a:p>
@@ -17978,10 +17982,10 @@
       </p:grpSpPr>
       <p:sp>
         <p:nvSpPr>
-          <p:cNvPr id="4" name="Title 3">
-            <a:extLst>
-              <a:ext uri="{FF2B5EF4-FFF2-40B4-BE49-F238E27FC236}">
-                <a16:creationId xmlns:a16="http://schemas.microsoft.com/office/drawing/2014/main" id="{84809A96-61D3-228D-A527-0BC6B5E36523}"/>
+          <p:cNvPr id="2" name="Title 1">
+            <a:extLst>
+              <a:ext uri="{FF2B5EF4-FFF2-40B4-BE49-F238E27FC236}">
+                <a16:creationId xmlns:a16="http://schemas.microsoft.com/office/drawing/2014/main" id="{0E341BFF-02BE-3EE1-D16F-A405504911C1}"/>
               </a:ext>
             </a:extLst>
           </p:cNvPr>
@@ -17989,27 +17993,309 @@
             <a:spLocks noGrp="1"/>
           </p:cNvSpPr>
           <p:nvPr>
-            <p:ph type="title"/>
+            <p:ph type="ctrTitle"/>
           </p:nvPr>
         </p:nvSpPr>
         <p:spPr>
           <a:xfrm>
-            <a:off x="909147" y="983500"/>
-            <a:ext cx="8761413" cy="706964"/>
+            <a:off x="1584017" y="751352"/>
+            <a:ext cx="8825658" cy="2677648"/>
           </a:xfrm>
         </p:spPr>
         <p:txBody>
-          <a:bodyPr>
-            <a:normAutofit fontScale="90000"/>
+          <a:bodyPr/>
+          <a:lstStyle/>
+          <a:p>
+            <a:r>
+              <a:rPr lang="en-US" sz="7200">
+                <a:latin typeface="Arial Black"/>
+              </a:rPr>
+              <a:t>APPENDIX:</a:t>
+            </a:r>
+            <a:endParaRPr lang="en-IN" sz="7200">
+              <a:latin typeface="Arial Black" panose="020B0A04020102020204" pitchFamily="34" charset="0"/>
+            </a:endParaRPr>
+          </a:p>
+        </p:txBody>
+      </p:sp>
+      <p:sp>
+        <p:nvSpPr>
+          <p:cNvPr id="3" name="TextBox 2">
+            <a:extLst>
+              <a:ext uri="{FF2B5EF4-FFF2-40B4-BE49-F238E27FC236}">
+                <a16:creationId xmlns:a16="http://schemas.microsoft.com/office/drawing/2014/main" id="{AF5B68A3-2306-5086-9A18-7599FEBAD1B3}"/>
+              </a:ext>
+            </a:extLst>
+          </p:cNvPr>
+          <p:cNvSpPr txBox="1"/>
+          <p:nvPr/>
+        </p:nvSpPr>
+        <p:spPr>
+          <a:xfrm>
+            <a:off x="10515601" y="417445"/>
+            <a:ext cx="634482" cy="461665"/>
+          </a:xfrm>
+          <a:prstGeom prst="rect">
+            <a:avLst/>
+          </a:prstGeom>
+          <a:noFill/>
+        </p:spPr>
+        <p:txBody>
+          <a:bodyPr wrap="square" rtlCol="0">
+            <a:spAutoFit/>
           </a:bodyPr>
           <a:lstStyle/>
           <a:p>
             <a:r>
-              <a:rPr lang="en-IN" sz="4800" b="1">
+              <a:rPr lang="en-US" sz="2400">
+                <a:solidFill>
+                  <a:schemeClr val="bg1"/>
+                </a:solidFill>
+              </a:rPr>
+              <a:t>27</a:t>
+            </a:r>
+            <a:endParaRPr lang="en-IN" sz="2400">
+              <a:solidFill>
+                <a:schemeClr val="bg1"/>
+              </a:solidFill>
+            </a:endParaRPr>
+          </a:p>
+        </p:txBody>
+      </p:sp>
+    </p:spTree>
+    <p:extLst>
+      <p:ext uri="{BB962C8B-B14F-4D97-AF65-F5344CB8AC3E}">
+        <p14:creationId xmlns:p14="http://schemas.microsoft.com/office/powerpoint/2010/main" val="2359634341"/>
+      </p:ext>
+    </p:extLst>
+  </p:cSld>
+  <p:clrMapOvr>
+    <a:masterClrMapping/>
+  </p:clrMapOvr>
+  <mc:AlternateContent xmlns:mc="http://schemas.openxmlformats.org/markup-compatibility/2006" xmlns:p159="http://schemas.microsoft.com/office/powerpoint/2015/09/main">
+    <mc:Choice Requires="p159">
+      <p:transition xmlns:p14="http://schemas.microsoft.com/office/powerpoint/2010/main" p14:dur="10">
+        <p159:morph option="byObject"/>
+      </p:transition>
+    </mc:Choice>
+    <mc:Fallback xmlns="">
+      <p:transition>
+        <p:fade/>
+      </p:transition>
+    </mc:Fallback>
+  </mc:AlternateContent>
+</p:sld>
+</file>
+
+<file path=ppt/slides/slide26.xml><?xml version="1.0" encoding="utf-8"?>
+<p:sld xmlns:a="http://schemas.openxmlformats.org/drawingml/2006/main" xmlns:r="http://schemas.openxmlformats.org/officeDocument/2006/relationships" xmlns:p="http://schemas.openxmlformats.org/presentationml/2006/main">
+  <p:cSld>
+    <p:spTree>
+      <p:nvGrpSpPr>
+        <p:cNvPr id="1" name=""/>
+        <p:cNvGrpSpPr/>
+        <p:nvPr/>
+      </p:nvGrpSpPr>
+      <p:grpSpPr>
+        <a:xfrm>
+          <a:off x="0" y="0"/>
+          <a:ext cx="0" cy="0"/>
+          <a:chOff x="0" y="0"/>
+          <a:chExt cx="0" cy="0"/>
+        </a:xfrm>
+      </p:grpSpPr>
+      <p:pic>
+        <p:nvPicPr>
+          <p:cNvPr id="3" name="Picture 2">
+            <a:extLst>
+              <a:ext uri="{FF2B5EF4-FFF2-40B4-BE49-F238E27FC236}">
+                <a16:creationId xmlns:a16="http://schemas.microsoft.com/office/drawing/2014/main" id="{34B17131-BFDC-790B-0C22-BFB7166CBA1E}"/>
+              </a:ext>
+            </a:extLst>
+          </p:cNvPr>
+          <p:cNvPicPr>
+            <a:picLocks noChangeAspect="1"/>
+          </p:cNvPicPr>
+          <p:nvPr/>
+        </p:nvPicPr>
+        <p:blipFill>
+          <a:blip r:embed="rId2"/>
+          <a:stretch>
+            <a:fillRect/>
+          </a:stretch>
+        </p:blipFill>
+        <p:spPr>
+          <a:xfrm>
+            <a:off x="-2" y="1041813"/>
+            <a:ext cx="5122607" cy="739204"/>
+          </a:xfrm>
+          <a:prstGeom prst="rect">
+            <a:avLst/>
+          </a:prstGeom>
+        </p:spPr>
+      </p:pic>
+      <p:pic>
+        <p:nvPicPr>
+          <p:cNvPr id="8" name="Picture 7">
+            <a:extLst>
+              <a:ext uri="{FF2B5EF4-FFF2-40B4-BE49-F238E27FC236}">
+                <a16:creationId xmlns:a16="http://schemas.microsoft.com/office/drawing/2014/main" id="{EA26E4DE-4C62-FFA2-AC33-C09A77B9EFA8}"/>
+              </a:ext>
+            </a:extLst>
+          </p:cNvPr>
+          <p:cNvPicPr>
+            <a:picLocks noChangeAspect="1"/>
+          </p:cNvPicPr>
+          <p:nvPr/>
+        </p:nvPicPr>
+        <p:blipFill>
+          <a:blip r:embed="rId3"/>
+          <a:stretch>
+            <a:fillRect/>
+          </a:stretch>
+        </p:blipFill>
+        <p:spPr>
+          <a:xfrm>
+            <a:off x="0" y="1781017"/>
+            <a:ext cx="6980903" cy="4023683"/>
+          </a:xfrm>
+          <a:prstGeom prst="rect">
+            <a:avLst/>
+          </a:prstGeom>
+        </p:spPr>
+      </p:pic>
+      <p:pic>
+        <p:nvPicPr>
+          <p:cNvPr id="10" name="Picture 9">
+            <a:extLst>
+              <a:ext uri="{FF2B5EF4-FFF2-40B4-BE49-F238E27FC236}">
+                <a16:creationId xmlns:a16="http://schemas.microsoft.com/office/drawing/2014/main" id="{4EFC96AD-DACA-3CF6-8489-DBDF9267B0A9}"/>
+              </a:ext>
+            </a:extLst>
+          </p:cNvPr>
+          <p:cNvPicPr>
+            <a:picLocks noChangeAspect="1"/>
+          </p:cNvPicPr>
+          <p:nvPr/>
+        </p:nvPicPr>
+        <p:blipFill>
+          <a:blip r:embed="rId4"/>
+          <a:stretch>
+            <a:fillRect/>
+          </a:stretch>
+        </p:blipFill>
+        <p:spPr>
+          <a:xfrm>
+            <a:off x="-1" y="5760526"/>
+            <a:ext cx="6980903" cy="1053300"/>
+          </a:xfrm>
+          <a:prstGeom prst="rect">
+            <a:avLst/>
+          </a:prstGeom>
+        </p:spPr>
+      </p:pic>
+      <p:pic>
+        <p:nvPicPr>
+          <p:cNvPr id="17" name="Picture 16">
+            <a:extLst>
+              <a:ext uri="{FF2B5EF4-FFF2-40B4-BE49-F238E27FC236}">
+                <a16:creationId xmlns:a16="http://schemas.microsoft.com/office/drawing/2014/main" id="{3F7C627B-085D-2326-0C42-3DF503263A0A}"/>
+              </a:ext>
+            </a:extLst>
+          </p:cNvPr>
+          <p:cNvPicPr>
+            <a:picLocks noChangeAspect="1"/>
+          </p:cNvPicPr>
+          <p:nvPr/>
+        </p:nvPicPr>
+        <p:blipFill>
+          <a:blip r:embed="rId5"/>
+          <a:stretch>
+            <a:fillRect/>
+          </a:stretch>
+        </p:blipFill>
+        <p:spPr>
+          <a:xfrm>
+            <a:off x="6980903" y="1780319"/>
+            <a:ext cx="5211097" cy="4023683"/>
+          </a:xfrm>
+          <a:prstGeom prst="rect">
+            <a:avLst/>
+          </a:prstGeom>
+        </p:spPr>
+      </p:pic>
+      <p:pic>
+        <p:nvPicPr>
+          <p:cNvPr id="19" name="Picture 18">
+            <a:extLst>
+              <a:ext uri="{FF2B5EF4-FFF2-40B4-BE49-F238E27FC236}">
+                <a16:creationId xmlns:a16="http://schemas.microsoft.com/office/drawing/2014/main" id="{72EED8DE-244B-D886-1428-5E365FE6A341}"/>
+              </a:ext>
+            </a:extLst>
+          </p:cNvPr>
+          <p:cNvPicPr>
+            <a:picLocks noChangeAspect="1"/>
+          </p:cNvPicPr>
+          <p:nvPr/>
+        </p:nvPicPr>
+        <p:blipFill>
+          <a:blip r:embed="rId6"/>
+          <a:stretch>
+            <a:fillRect/>
+          </a:stretch>
+        </p:blipFill>
+        <p:spPr>
+          <a:xfrm>
+            <a:off x="6980902" y="5760526"/>
+            <a:ext cx="5211097" cy="1053300"/>
+          </a:xfrm>
+          <a:prstGeom prst="rect">
+            <a:avLst/>
+          </a:prstGeom>
+        </p:spPr>
+      </p:pic>
+      <p:sp>
+        <p:nvSpPr>
+          <p:cNvPr id="20" name="TextBox 19">
+            <a:extLst>
+              <a:ext uri="{FF2B5EF4-FFF2-40B4-BE49-F238E27FC236}">
+                <a16:creationId xmlns:a16="http://schemas.microsoft.com/office/drawing/2014/main" id="{5001C75C-82A2-9009-E58B-F03A7A6EAFC9}"/>
+              </a:ext>
+            </a:extLst>
+          </p:cNvPr>
+          <p:cNvSpPr txBox="1"/>
+          <p:nvPr/>
+        </p:nvSpPr>
+        <p:spPr>
+          <a:xfrm>
+            <a:off x="157317" y="19580"/>
+            <a:ext cx="6980903" cy="923330"/>
+          </a:xfrm>
+          <a:prstGeom prst="rect">
+            <a:avLst/>
+          </a:prstGeom>
+          <a:noFill/>
+        </p:spPr>
+        <p:txBody>
+          <a:bodyPr wrap="square" rtlCol="0">
+            <a:spAutoFit/>
+          </a:bodyPr>
+          <a:lstStyle/>
+          <a:p>
+            <a:r>
+              <a:rPr lang="en-IN" sz="3600" b="1" i="1">
+                <a:effectLst/>
                 <a:latin typeface="Arial Black" panose="020B0A04020102020204" pitchFamily="34" charset="0"/>
               </a:rPr>
-              <a:t>Conclusion</a:t>
+              <a:t>Applying Dummy Variable</a:t>
             </a:r>
+            <a:endParaRPr lang="en-IN" sz="3600" b="0" i="0">
+              <a:effectLst/>
+              <a:latin typeface="Arial Black" panose="020B0A04020102020204" pitchFamily="34" charset="0"/>
+            </a:endParaRPr>
+          </a:p>
+          <a:p>
+            <a:endParaRPr lang="en-IN"/>
           </a:p>
         </p:txBody>
       </p:sp>
@@ -18018,7 +18304,7 @@
           <p:cNvPr id="2" name="Slide Number Placeholder 1">
             <a:extLst>
               <a:ext uri="{FF2B5EF4-FFF2-40B4-BE49-F238E27FC236}">
-                <a16:creationId xmlns:a16="http://schemas.microsoft.com/office/drawing/2014/main" id="{2C0E0656-5A16-9140-CED5-82BCEE0510E9}"/>
+                <a16:creationId xmlns:a16="http://schemas.microsoft.com/office/drawing/2014/main" id="{844059F9-5E48-453C-2405-5A1B3FCFF9D5}"/>
               </a:ext>
             </a:extLst>
           </p:cNvPr>
@@ -18036,7 +18322,1691 @@
           <a:p>
             <a:fld id="{83460B64-F492-4B30-8043-33212DC8301C}" type="slidenum">
               <a:rPr lang="en-IN" smtClean="0"/>
-              <a:t>25</a:t>
+              <a:t>26</a:t>
+            </a:fld>
+            <a:endParaRPr lang="en-IN"/>
+          </a:p>
+        </p:txBody>
+      </p:sp>
+    </p:spTree>
+    <p:extLst>
+      <p:ext uri="{BB962C8B-B14F-4D97-AF65-F5344CB8AC3E}">
+        <p14:creationId xmlns:p14="http://schemas.microsoft.com/office/powerpoint/2010/main" val="1209306594"/>
+      </p:ext>
+    </p:extLst>
+  </p:cSld>
+  <p:clrMapOvr>
+    <a:masterClrMapping/>
+  </p:clrMapOvr>
+  <mc:AlternateContent xmlns:mc="http://schemas.openxmlformats.org/markup-compatibility/2006" xmlns:p159="http://schemas.microsoft.com/office/powerpoint/2015/09/main">
+    <mc:Choice Requires="p159">
+      <p:transition xmlns:p14="http://schemas.microsoft.com/office/powerpoint/2010/main" p14:dur="10">
+        <p159:morph option="byObject"/>
+      </p:transition>
+    </mc:Choice>
+    <mc:Fallback xmlns="">
+      <p:transition>
+        <p:fade/>
+      </p:transition>
+    </mc:Fallback>
+  </mc:AlternateContent>
+</p:sld>
+</file>
+
+<file path=ppt/slides/slide27.xml><?xml version="1.0" encoding="utf-8"?>
+<p:sld xmlns:a="http://schemas.openxmlformats.org/drawingml/2006/main" xmlns:r="http://schemas.openxmlformats.org/officeDocument/2006/relationships" xmlns:p="http://schemas.openxmlformats.org/presentationml/2006/main">
+  <p:cSld>
+    <p:spTree>
+      <p:nvGrpSpPr>
+        <p:cNvPr id="1" name=""/>
+        <p:cNvGrpSpPr/>
+        <p:nvPr/>
+      </p:nvGrpSpPr>
+      <p:grpSpPr>
+        <a:xfrm>
+          <a:off x="0" y="0"/>
+          <a:ext cx="0" cy="0"/>
+          <a:chOff x="0" y="0"/>
+          <a:chExt cx="0" cy="0"/>
+        </a:xfrm>
+      </p:grpSpPr>
+      <p:sp>
+        <p:nvSpPr>
+          <p:cNvPr id="8" name="TextBox 7">
+            <a:extLst>
+              <a:ext uri="{FF2B5EF4-FFF2-40B4-BE49-F238E27FC236}">
+                <a16:creationId xmlns:a16="http://schemas.microsoft.com/office/drawing/2014/main" id="{BC9284D5-EA29-4A75-52EC-B19CB1C8656E}"/>
+              </a:ext>
+            </a:extLst>
+          </p:cNvPr>
+          <p:cNvSpPr txBox="1"/>
+          <p:nvPr/>
+        </p:nvSpPr>
+        <p:spPr>
+          <a:xfrm>
+            <a:off x="693174" y="860323"/>
+            <a:ext cx="6695768" cy="923330"/>
+          </a:xfrm>
+          <a:prstGeom prst="rect">
+            <a:avLst/>
+          </a:prstGeom>
+          <a:noFill/>
+        </p:spPr>
+        <p:txBody>
+          <a:bodyPr wrap="square" rtlCol="0">
+            <a:spAutoFit/>
+          </a:bodyPr>
+          <a:lstStyle/>
+          <a:p>
+            <a:r>
+              <a:rPr lang="en-IN" sz="3600" b="1" i="1">
+                <a:effectLst/>
+                <a:latin typeface="Arial Black" panose="020B0A04020102020204" pitchFamily="34" charset="0"/>
+              </a:rPr>
+              <a:t>Logistic Regression</a:t>
+            </a:r>
+            <a:endParaRPr lang="en-IN" sz="3600" b="1" i="0">
+              <a:effectLst/>
+              <a:latin typeface="Arial Black" panose="020B0A04020102020204" pitchFamily="34" charset="0"/>
+            </a:endParaRPr>
+          </a:p>
+          <a:p>
+            <a:endParaRPr lang="en-IN"/>
+          </a:p>
+        </p:txBody>
+      </p:sp>
+      <p:pic>
+        <p:nvPicPr>
+          <p:cNvPr id="16" name="Picture 15">
+            <a:extLst>
+              <a:ext uri="{FF2B5EF4-FFF2-40B4-BE49-F238E27FC236}">
+                <a16:creationId xmlns:a16="http://schemas.microsoft.com/office/drawing/2014/main" id="{FBC13913-6478-E4DA-3246-67011F52DCBA}"/>
+              </a:ext>
+            </a:extLst>
+          </p:cNvPr>
+          <p:cNvPicPr>
+            <a:picLocks noChangeAspect="1"/>
+          </p:cNvPicPr>
+          <p:nvPr/>
+        </p:nvPicPr>
+        <p:blipFill>
+          <a:blip r:embed="rId2"/>
+          <a:stretch>
+            <a:fillRect/>
+          </a:stretch>
+        </p:blipFill>
+        <p:spPr>
+          <a:xfrm>
+            <a:off x="3224535" y="2627306"/>
+            <a:ext cx="5742930" cy="1603387"/>
+          </a:xfrm>
+          <a:prstGeom prst="rect">
+            <a:avLst/>
+          </a:prstGeom>
+        </p:spPr>
+      </p:pic>
+      <p:pic>
+        <p:nvPicPr>
+          <p:cNvPr id="17" name="Picture 16">
+            <a:extLst>
+              <a:ext uri="{FF2B5EF4-FFF2-40B4-BE49-F238E27FC236}">
+                <a16:creationId xmlns:a16="http://schemas.microsoft.com/office/drawing/2014/main" id="{49D54743-DC22-33C2-323A-DD729A8EF7E4}"/>
+              </a:ext>
+            </a:extLst>
+          </p:cNvPr>
+          <p:cNvPicPr>
+            <a:picLocks noChangeAspect="1"/>
+          </p:cNvPicPr>
+          <p:nvPr/>
+        </p:nvPicPr>
+        <p:blipFill>
+          <a:blip r:embed="rId2"/>
+          <a:stretch>
+            <a:fillRect/>
+          </a:stretch>
+        </p:blipFill>
+        <p:spPr>
+          <a:xfrm>
+            <a:off x="3376935" y="2779706"/>
+            <a:ext cx="5742930" cy="1603387"/>
+          </a:xfrm>
+          <a:prstGeom prst="rect">
+            <a:avLst/>
+          </a:prstGeom>
+        </p:spPr>
+      </p:pic>
+      <p:pic>
+        <p:nvPicPr>
+          <p:cNvPr id="18" name="Picture 17">
+            <a:extLst>
+              <a:ext uri="{FF2B5EF4-FFF2-40B4-BE49-F238E27FC236}">
+                <a16:creationId xmlns:a16="http://schemas.microsoft.com/office/drawing/2014/main" id="{E54526A3-CED4-9BD4-03A7-B634B63BED28}"/>
+              </a:ext>
+            </a:extLst>
+          </p:cNvPr>
+          <p:cNvPicPr>
+            <a:picLocks noChangeAspect="1"/>
+          </p:cNvPicPr>
+          <p:nvPr/>
+        </p:nvPicPr>
+        <p:blipFill>
+          <a:blip r:embed="rId2"/>
+          <a:stretch>
+            <a:fillRect/>
+          </a:stretch>
+        </p:blipFill>
+        <p:spPr>
+          <a:xfrm>
+            <a:off x="3529335" y="2932106"/>
+            <a:ext cx="5742930" cy="1603387"/>
+          </a:xfrm>
+          <a:prstGeom prst="rect">
+            <a:avLst/>
+          </a:prstGeom>
+        </p:spPr>
+      </p:pic>
+      <p:pic>
+        <p:nvPicPr>
+          <p:cNvPr id="19" name="Picture 18">
+            <a:extLst>
+              <a:ext uri="{FF2B5EF4-FFF2-40B4-BE49-F238E27FC236}">
+                <a16:creationId xmlns:a16="http://schemas.microsoft.com/office/drawing/2014/main" id="{DB4AE710-A4E8-86AA-98D0-D821487FCB5A}"/>
+              </a:ext>
+            </a:extLst>
+          </p:cNvPr>
+          <p:cNvPicPr>
+            <a:picLocks noChangeAspect="1"/>
+          </p:cNvPicPr>
+          <p:nvPr/>
+        </p:nvPicPr>
+        <p:blipFill>
+          <a:blip r:embed="rId2"/>
+          <a:stretch>
+            <a:fillRect/>
+          </a:stretch>
+        </p:blipFill>
+        <p:spPr>
+          <a:xfrm>
+            <a:off x="3681735" y="3084506"/>
+            <a:ext cx="5742930" cy="1603387"/>
+          </a:xfrm>
+          <a:prstGeom prst="rect">
+            <a:avLst/>
+          </a:prstGeom>
+        </p:spPr>
+      </p:pic>
+      <p:pic>
+        <p:nvPicPr>
+          <p:cNvPr id="20" name="Picture 19">
+            <a:extLst>
+              <a:ext uri="{FF2B5EF4-FFF2-40B4-BE49-F238E27FC236}">
+                <a16:creationId xmlns:a16="http://schemas.microsoft.com/office/drawing/2014/main" id="{1C7ADF80-3988-B7BF-551E-E0C85BAA7D35}"/>
+              </a:ext>
+            </a:extLst>
+          </p:cNvPr>
+          <p:cNvPicPr>
+            <a:picLocks noChangeAspect="1"/>
+          </p:cNvPicPr>
+          <p:nvPr/>
+        </p:nvPicPr>
+        <p:blipFill>
+          <a:blip r:embed="rId2"/>
+          <a:stretch>
+            <a:fillRect/>
+          </a:stretch>
+        </p:blipFill>
+        <p:spPr>
+          <a:xfrm>
+            <a:off x="3834135" y="3236906"/>
+            <a:ext cx="5742930" cy="1603387"/>
+          </a:xfrm>
+          <a:prstGeom prst="rect">
+            <a:avLst/>
+          </a:prstGeom>
+        </p:spPr>
+      </p:pic>
+      <p:pic>
+        <p:nvPicPr>
+          <p:cNvPr id="23" name="Picture 22">
+            <a:extLst>
+              <a:ext uri="{FF2B5EF4-FFF2-40B4-BE49-F238E27FC236}">
+                <a16:creationId xmlns:a16="http://schemas.microsoft.com/office/drawing/2014/main" id="{A571E93D-7557-A7B8-B024-BCCE4271C8DE}"/>
+              </a:ext>
+            </a:extLst>
+          </p:cNvPr>
+          <p:cNvPicPr>
+            <a:picLocks noChangeAspect="1"/>
+          </p:cNvPicPr>
+          <p:nvPr/>
+        </p:nvPicPr>
+        <p:blipFill>
+          <a:blip r:embed="rId3"/>
+          <a:stretch>
+            <a:fillRect/>
+          </a:stretch>
+        </p:blipFill>
+        <p:spPr>
+          <a:xfrm>
+            <a:off x="1076632" y="2627306"/>
+            <a:ext cx="9797845" cy="2814848"/>
+          </a:xfrm>
+          <a:prstGeom prst="rect">
+            <a:avLst/>
+          </a:prstGeom>
+        </p:spPr>
+      </p:pic>
+      <p:sp>
+        <p:nvSpPr>
+          <p:cNvPr id="2" name="Slide Number Placeholder 1">
+            <a:extLst>
+              <a:ext uri="{FF2B5EF4-FFF2-40B4-BE49-F238E27FC236}">
+                <a16:creationId xmlns:a16="http://schemas.microsoft.com/office/drawing/2014/main" id="{071F49C1-B08D-06F6-C44D-9742C1933690}"/>
+              </a:ext>
+            </a:extLst>
+          </p:cNvPr>
+          <p:cNvSpPr>
+            <a:spLocks noGrp="1"/>
+          </p:cNvSpPr>
+          <p:nvPr>
+            <p:ph type="sldNum" sz="quarter" idx="12"/>
+          </p:nvPr>
+        </p:nvSpPr>
+        <p:spPr/>
+        <p:txBody>
+          <a:bodyPr/>
+          <a:lstStyle/>
+          <a:p>
+            <a:fld id="{83460B64-F492-4B30-8043-33212DC8301C}" type="slidenum">
+              <a:rPr lang="en-IN" smtClean="0"/>
+              <a:t>27</a:t>
+            </a:fld>
+            <a:endParaRPr lang="en-IN"/>
+          </a:p>
+        </p:txBody>
+      </p:sp>
+    </p:spTree>
+    <p:extLst>
+      <p:ext uri="{BB962C8B-B14F-4D97-AF65-F5344CB8AC3E}">
+        <p14:creationId xmlns:p14="http://schemas.microsoft.com/office/powerpoint/2010/main" val="3613276555"/>
+      </p:ext>
+    </p:extLst>
+  </p:cSld>
+  <p:clrMapOvr>
+    <a:masterClrMapping/>
+  </p:clrMapOvr>
+  <mc:AlternateContent xmlns:mc="http://schemas.openxmlformats.org/markup-compatibility/2006" xmlns:p159="http://schemas.microsoft.com/office/powerpoint/2015/09/main">
+    <mc:Choice Requires="p159">
+      <p:transition xmlns:p14="http://schemas.microsoft.com/office/powerpoint/2010/main" p14:dur="10">
+        <p159:morph option="byObject"/>
+      </p:transition>
+    </mc:Choice>
+    <mc:Fallback xmlns="">
+      <p:transition>
+        <p:fade/>
+      </p:transition>
+    </mc:Fallback>
+  </mc:AlternateContent>
+</p:sld>
+</file>
+
+<file path=ppt/slides/slide28.xml><?xml version="1.0" encoding="utf-8"?>
+<p:sld xmlns:a="http://schemas.openxmlformats.org/drawingml/2006/main" xmlns:r="http://schemas.openxmlformats.org/officeDocument/2006/relationships" xmlns:p="http://schemas.openxmlformats.org/presentationml/2006/main">
+  <p:cSld>
+    <p:spTree>
+      <p:nvGrpSpPr>
+        <p:cNvPr id="1" name=""/>
+        <p:cNvGrpSpPr/>
+        <p:nvPr/>
+      </p:nvGrpSpPr>
+      <p:grpSpPr>
+        <a:xfrm>
+          <a:off x="0" y="0"/>
+          <a:ext cx="0" cy="0"/>
+          <a:chOff x="0" y="0"/>
+          <a:chExt cx="0" cy="0"/>
+        </a:xfrm>
+      </p:grpSpPr>
+      <p:sp>
+        <p:nvSpPr>
+          <p:cNvPr id="2" name="TextBox 1">
+            <a:extLst>
+              <a:ext uri="{FF2B5EF4-FFF2-40B4-BE49-F238E27FC236}">
+                <a16:creationId xmlns:a16="http://schemas.microsoft.com/office/drawing/2014/main" id="{E3280FF6-7286-D827-0467-BC3F8BFF112A}"/>
+              </a:ext>
+            </a:extLst>
+          </p:cNvPr>
+          <p:cNvSpPr txBox="1"/>
+          <p:nvPr/>
+        </p:nvSpPr>
+        <p:spPr>
+          <a:xfrm>
+            <a:off x="471947" y="698089"/>
+            <a:ext cx="5702709" cy="1077218"/>
+          </a:xfrm>
+          <a:prstGeom prst="rect">
+            <a:avLst/>
+          </a:prstGeom>
+          <a:noFill/>
+        </p:spPr>
+        <p:txBody>
+          <a:bodyPr wrap="square" rtlCol="0">
+            <a:spAutoFit/>
+          </a:bodyPr>
+          <a:lstStyle/>
+          <a:p>
+            <a:r>
+              <a:rPr lang="en-IN" sz="4400" i="1">
+                <a:effectLst/>
+                <a:latin typeface="Arial Black" panose="020B0A04020102020204" pitchFamily="34" charset="0"/>
+              </a:rPr>
+              <a:t>Decision Tree</a:t>
+            </a:r>
+            <a:endParaRPr lang="en-IN" sz="4400" i="0">
+              <a:effectLst/>
+              <a:latin typeface="Arial Black" panose="020B0A04020102020204" pitchFamily="34" charset="0"/>
+            </a:endParaRPr>
+          </a:p>
+          <a:p>
+            <a:endParaRPr lang="en-IN" sz="2000"/>
+          </a:p>
+        </p:txBody>
+      </p:sp>
+      <p:pic>
+        <p:nvPicPr>
+          <p:cNvPr id="4" name="Picture 3">
+            <a:extLst>
+              <a:ext uri="{FF2B5EF4-FFF2-40B4-BE49-F238E27FC236}">
+                <a16:creationId xmlns:a16="http://schemas.microsoft.com/office/drawing/2014/main" id="{D811E83B-07D8-645C-680D-9E7EFBE5CA43}"/>
+              </a:ext>
+            </a:extLst>
+          </p:cNvPr>
+          <p:cNvPicPr>
+            <a:picLocks noChangeAspect="1"/>
+          </p:cNvPicPr>
+          <p:nvPr/>
+        </p:nvPicPr>
+        <p:blipFill>
+          <a:blip r:embed="rId3"/>
+          <a:stretch>
+            <a:fillRect/>
+          </a:stretch>
+        </p:blipFill>
+        <p:spPr>
+          <a:xfrm>
+            <a:off x="1347019" y="2280500"/>
+            <a:ext cx="8799871" cy="2802194"/>
+          </a:xfrm>
+          <a:prstGeom prst="rect">
+            <a:avLst/>
+          </a:prstGeom>
+        </p:spPr>
+      </p:pic>
+      <p:sp>
+        <p:nvSpPr>
+          <p:cNvPr id="3" name="Slide Number Placeholder 2">
+            <a:extLst>
+              <a:ext uri="{FF2B5EF4-FFF2-40B4-BE49-F238E27FC236}">
+                <a16:creationId xmlns:a16="http://schemas.microsoft.com/office/drawing/2014/main" id="{5AA34623-8567-3929-3423-B9DA51914ABE}"/>
+              </a:ext>
+            </a:extLst>
+          </p:cNvPr>
+          <p:cNvSpPr>
+            <a:spLocks noGrp="1"/>
+          </p:cNvSpPr>
+          <p:nvPr>
+            <p:ph type="sldNum" sz="quarter" idx="12"/>
+          </p:nvPr>
+        </p:nvSpPr>
+        <p:spPr/>
+        <p:txBody>
+          <a:bodyPr/>
+          <a:lstStyle/>
+          <a:p>
+            <a:fld id="{83460B64-F492-4B30-8043-33212DC8301C}" type="slidenum">
+              <a:rPr lang="en-IN" smtClean="0"/>
+              <a:t>28</a:t>
+            </a:fld>
+            <a:endParaRPr lang="en-IN"/>
+          </a:p>
+        </p:txBody>
+      </p:sp>
+    </p:spTree>
+    <p:extLst>
+      <p:ext uri="{BB962C8B-B14F-4D97-AF65-F5344CB8AC3E}">
+        <p14:creationId xmlns:p14="http://schemas.microsoft.com/office/powerpoint/2010/main" val="1667231609"/>
+      </p:ext>
+    </p:extLst>
+  </p:cSld>
+  <p:clrMapOvr>
+    <a:masterClrMapping/>
+  </p:clrMapOvr>
+  <mc:AlternateContent xmlns:mc="http://schemas.openxmlformats.org/markup-compatibility/2006" xmlns:p159="http://schemas.microsoft.com/office/powerpoint/2015/09/main">
+    <mc:Choice Requires="p159">
+      <p:transition xmlns:p14="http://schemas.microsoft.com/office/powerpoint/2010/main" p14:dur="10">
+        <p159:morph option="byObject"/>
+      </p:transition>
+    </mc:Choice>
+    <mc:Fallback xmlns="">
+      <p:transition>
+        <p:fade/>
+      </p:transition>
+    </mc:Fallback>
+  </mc:AlternateContent>
+</p:sld>
+</file>
+
+<file path=ppt/slides/slide29.xml><?xml version="1.0" encoding="utf-8"?>
+<p:sld xmlns:a="http://schemas.openxmlformats.org/drawingml/2006/main" xmlns:r="http://schemas.openxmlformats.org/officeDocument/2006/relationships" xmlns:p="http://schemas.openxmlformats.org/presentationml/2006/main">
+  <p:cSld>
+    <p:spTree>
+      <p:nvGrpSpPr>
+        <p:cNvPr id="1" name=""/>
+        <p:cNvGrpSpPr/>
+        <p:nvPr/>
+      </p:nvGrpSpPr>
+      <p:grpSpPr>
+        <a:xfrm>
+          <a:off x="0" y="0"/>
+          <a:ext cx="0" cy="0"/>
+          <a:chOff x="0" y="0"/>
+          <a:chExt cx="0" cy="0"/>
+        </a:xfrm>
+      </p:grpSpPr>
+      <p:sp>
+        <p:nvSpPr>
+          <p:cNvPr id="2" name="TextBox 1">
+            <a:extLst>
+              <a:ext uri="{FF2B5EF4-FFF2-40B4-BE49-F238E27FC236}">
+                <a16:creationId xmlns:a16="http://schemas.microsoft.com/office/drawing/2014/main" id="{955EBB93-A530-CFC8-916F-2EE6CAEBF4D3}"/>
+              </a:ext>
+            </a:extLst>
+          </p:cNvPr>
+          <p:cNvSpPr txBox="1"/>
+          <p:nvPr/>
+        </p:nvSpPr>
+        <p:spPr>
+          <a:xfrm>
+            <a:off x="717754" y="609600"/>
+            <a:ext cx="6046839" cy="1138773"/>
+          </a:xfrm>
+          <a:prstGeom prst="rect">
+            <a:avLst/>
+          </a:prstGeom>
+          <a:noFill/>
+        </p:spPr>
+        <p:txBody>
+          <a:bodyPr wrap="square" rtlCol="0">
+            <a:spAutoFit/>
+          </a:bodyPr>
+          <a:lstStyle/>
+          <a:p>
+            <a:r>
+              <a:rPr lang="en-IN" sz="4800" b="1" i="1">
+                <a:effectLst/>
+                <a:latin typeface="Arial Black" panose="020B0A04020102020204" pitchFamily="34" charset="0"/>
+              </a:rPr>
+              <a:t>Random Forest</a:t>
+            </a:r>
+            <a:endParaRPr lang="en-IN" sz="4800" b="1" i="0">
+              <a:effectLst/>
+              <a:latin typeface="Arial Black" panose="020B0A04020102020204" pitchFamily="34" charset="0"/>
+            </a:endParaRPr>
+          </a:p>
+          <a:p>
+            <a:endParaRPr lang="en-IN" sz="2000" b="1"/>
+          </a:p>
+        </p:txBody>
+      </p:sp>
+      <p:pic>
+        <p:nvPicPr>
+          <p:cNvPr id="4" name="Picture 3">
+            <a:extLst>
+              <a:ext uri="{FF2B5EF4-FFF2-40B4-BE49-F238E27FC236}">
+                <a16:creationId xmlns:a16="http://schemas.microsoft.com/office/drawing/2014/main" id="{55D56042-C325-EBE0-259E-EBA747A0F95A}"/>
+              </a:ext>
+            </a:extLst>
+          </p:cNvPr>
+          <p:cNvPicPr>
+            <a:picLocks noChangeAspect="1"/>
+          </p:cNvPicPr>
+          <p:nvPr/>
+        </p:nvPicPr>
+        <p:blipFill>
+          <a:blip r:embed="rId2"/>
+          <a:stretch>
+            <a:fillRect/>
+          </a:stretch>
+        </p:blipFill>
+        <p:spPr>
+          <a:xfrm>
+            <a:off x="1602657" y="2438400"/>
+            <a:ext cx="8986685" cy="3087328"/>
+          </a:xfrm>
+          <a:prstGeom prst="rect">
+            <a:avLst/>
+          </a:prstGeom>
+        </p:spPr>
+      </p:pic>
+      <p:sp>
+        <p:nvSpPr>
+          <p:cNvPr id="3" name="Slide Number Placeholder 2">
+            <a:extLst>
+              <a:ext uri="{FF2B5EF4-FFF2-40B4-BE49-F238E27FC236}">
+                <a16:creationId xmlns:a16="http://schemas.microsoft.com/office/drawing/2014/main" id="{2CFB0ACB-CDAF-6299-A258-9064A26CE89E}"/>
+              </a:ext>
+            </a:extLst>
+          </p:cNvPr>
+          <p:cNvSpPr>
+            <a:spLocks noGrp="1"/>
+          </p:cNvSpPr>
+          <p:nvPr>
+            <p:ph type="sldNum" sz="quarter" idx="12"/>
+          </p:nvPr>
+        </p:nvSpPr>
+        <p:spPr/>
+        <p:txBody>
+          <a:bodyPr/>
+          <a:lstStyle/>
+          <a:p>
+            <a:fld id="{83460B64-F492-4B30-8043-33212DC8301C}" type="slidenum">
+              <a:rPr lang="en-IN" smtClean="0"/>
+              <a:t>29</a:t>
+            </a:fld>
+            <a:endParaRPr lang="en-IN"/>
+          </a:p>
+        </p:txBody>
+      </p:sp>
+    </p:spTree>
+    <p:extLst>
+      <p:ext uri="{BB962C8B-B14F-4D97-AF65-F5344CB8AC3E}">
+        <p14:creationId xmlns:p14="http://schemas.microsoft.com/office/powerpoint/2010/main" val="1035850729"/>
+      </p:ext>
+    </p:extLst>
+  </p:cSld>
+  <p:clrMapOvr>
+    <a:masterClrMapping/>
+  </p:clrMapOvr>
+  <mc:AlternateContent xmlns:mc="http://schemas.openxmlformats.org/markup-compatibility/2006" xmlns:p159="http://schemas.microsoft.com/office/powerpoint/2015/09/main">
+    <mc:Choice Requires="p159">
+      <p:transition xmlns:p14="http://schemas.microsoft.com/office/powerpoint/2010/main" p14:dur="10">
+        <p159:morph option="byObject"/>
+      </p:transition>
+    </mc:Choice>
+    <mc:Fallback xmlns="">
+      <p:transition>
+        <p:fade/>
+      </p:transition>
+    </mc:Fallback>
+  </mc:AlternateContent>
+</p:sld>
+</file>
+
+<file path=ppt/slides/slide3.xml><?xml version="1.0" encoding="utf-8"?>
+<p:sld xmlns:a="http://schemas.openxmlformats.org/drawingml/2006/main" xmlns:r="http://schemas.openxmlformats.org/officeDocument/2006/relationships" xmlns:p="http://schemas.openxmlformats.org/presentationml/2006/main">
+  <p:cSld>
+    <p:spTree>
+      <p:nvGrpSpPr>
+        <p:cNvPr id="1" name=""/>
+        <p:cNvGrpSpPr/>
+        <p:nvPr/>
+      </p:nvGrpSpPr>
+      <p:grpSpPr>
+        <a:xfrm>
+          <a:off x="0" y="0"/>
+          <a:ext cx="0" cy="0"/>
+          <a:chOff x="0" y="0"/>
+          <a:chExt cx="0" cy="0"/>
+        </a:xfrm>
+      </p:grpSpPr>
+      <p:sp>
+        <p:nvSpPr>
+          <p:cNvPr id="2" name="Title 1">
+            <a:extLst>
+              <a:ext uri="{FF2B5EF4-FFF2-40B4-BE49-F238E27FC236}">
+                <a16:creationId xmlns:a16="http://schemas.microsoft.com/office/drawing/2014/main" id="{079EC141-D89A-60F2-07AD-9DCD9FC2ED49}"/>
+              </a:ext>
+            </a:extLst>
+          </p:cNvPr>
+          <p:cNvSpPr>
+            <a:spLocks noGrp="1"/>
+          </p:cNvSpPr>
+          <p:nvPr>
+            <p:ph type="title"/>
+          </p:nvPr>
+        </p:nvSpPr>
+        <p:spPr>
+          <a:xfrm>
+            <a:off x="653514" y="1012997"/>
+            <a:ext cx="8761413" cy="706964"/>
+          </a:xfrm>
+        </p:spPr>
+        <p:txBody>
+          <a:bodyPr>
+            <a:noAutofit/>
+          </a:bodyPr>
+          <a:lstStyle/>
+          <a:p>
+            <a:r>
+              <a:rPr lang="en-IN" b="1"/>
+              <a:t>Project Background/Introduction</a:t>
+            </a:r>
+            <a:br>
+              <a:rPr lang="en-IN" b="1" i="1"/>
+            </a:br>
+            <a:endParaRPr lang="en-IN" i="1"/>
+          </a:p>
+        </p:txBody>
+      </p:sp>
+      <p:sp>
+        <p:nvSpPr>
+          <p:cNvPr id="3" name="Content Placeholder 2">
+            <a:extLst>
+              <a:ext uri="{FF2B5EF4-FFF2-40B4-BE49-F238E27FC236}">
+                <a16:creationId xmlns:a16="http://schemas.microsoft.com/office/drawing/2014/main" id="{85F078A2-A532-7912-3D5E-33E96C394152}"/>
+              </a:ext>
+            </a:extLst>
+          </p:cNvPr>
+          <p:cNvSpPr>
+            <a:spLocks noGrp="1"/>
+          </p:cNvSpPr>
+          <p:nvPr>
+            <p:ph idx="1"/>
+          </p:nvPr>
+        </p:nvSpPr>
+        <p:spPr>
+          <a:xfrm>
+            <a:off x="236839" y="2844247"/>
+            <a:ext cx="5766318" cy="3416300"/>
+          </a:xfrm>
+        </p:spPr>
+        <p:txBody>
+          <a:bodyPr>
+            <a:normAutofit/>
+          </a:bodyPr>
+          <a:lstStyle/>
+          <a:p>
+            <a:pPr marL="0" indent="0">
+              <a:buNone/>
+            </a:pPr>
+            <a:r>
+              <a:rPr lang="en-US" sz="2400" i="1"/>
+              <a:t>Credit risk prediction is crucial for financial institutions to assess the likelihood of borrowers defaulting on their loans. This section will explore the importance and challenges of credit risk prediction</a:t>
+            </a:r>
+            <a:r>
+              <a:rPr lang="en-US" sz="3300" i="1"/>
+              <a:t>.</a:t>
+            </a:r>
+          </a:p>
+        </p:txBody>
+      </p:sp>
+      <p:sp>
+        <p:nvSpPr>
+          <p:cNvPr id="4" name="Slide Number Placeholder 3">
+            <a:extLst>
+              <a:ext uri="{FF2B5EF4-FFF2-40B4-BE49-F238E27FC236}">
+                <a16:creationId xmlns:a16="http://schemas.microsoft.com/office/drawing/2014/main" id="{14D47597-1751-09F8-298F-BA05CAB6A304}"/>
+              </a:ext>
+            </a:extLst>
+          </p:cNvPr>
+          <p:cNvSpPr>
+            <a:spLocks noGrp="1"/>
+          </p:cNvSpPr>
+          <p:nvPr>
+            <p:ph type="sldNum" sz="quarter" idx="12"/>
+          </p:nvPr>
+        </p:nvSpPr>
+        <p:spPr/>
+        <p:txBody>
+          <a:bodyPr/>
+          <a:lstStyle/>
+          <a:p>
+            <a:fld id="{83460B64-F492-4B30-8043-33212DC8301C}" type="slidenum">
+              <a:rPr lang="en-IN" smtClean="0"/>
+              <a:t>3</a:t>
+            </a:fld>
+            <a:endParaRPr lang="en-IN"/>
+          </a:p>
+        </p:txBody>
+      </p:sp>
+      <p:pic>
+        <p:nvPicPr>
+          <p:cNvPr id="5" name="Picture 4">
+            <a:extLst>
+              <a:ext uri="{FF2B5EF4-FFF2-40B4-BE49-F238E27FC236}">
+                <a16:creationId xmlns:a16="http://schemas.microsoft.com/office/drawing/2014/main" id="{78ADACB9-9B12-E361-23D4-5F38967FC5B8}"/>
+              </a:ext>
+            </a:extLst>
+          </p:cNvPr>
+          <p:cNvPicPr>
+            <a:picLocks noChangeAspect="1"/>
+          </p:cNvPicPr>
+          <p:nvPr/>
+        </p:nvPicPr>
+        <p:blipFill>
+          <a:blip r:embed="rId2">
+            <a:extLst>
+              <a:ext uri="{28A0092B-C50C-407E-A947-70E740481C1C}">
+                <a14:useLocalDpi xmlns:a14="http://schemas.microsoft.com/office/drawing/2010/main" val="0"/>
+              </a:ext>
+            </a:extLst>
+          </a:blip>
+          <a:stretch>
+            <a:fillRect/>
+          </a:stretch>
+        </p:blipFill>
+        <p:spPr>
+          <a:xfrm>
+            <a:off x="6188845" y="1847505"/>
+            <a:ext cx="5457464" cy="4191708"/>
+          </a:xfrm>
+          <a:prstGeom prst="rect">
+            <a:avLst/>
+          </a:prstGeom>
+        </p:spPr>
+      </p:pic>
+    </p:spTree>
+    <p:extLst>
+      <p:ext uri="{BB962C8B-B14F-4D97-AF65-F5344CB8AC3E}">
+        <p14:creationId xmlns:p14="http://schemas.microsoft.com/office/powerpoint/2010/main" val="1847560674"/>
+      </p:ext>
+    </p:extLst>
+  </p:cSld>
+  <p:clrMapOvr>
+    <a:masterClrMapping/>
+  </p:clrMapOvr>
+  <mc:AlternateContent xmlns:mc="http://schemas.openxmlformats.org/markup-compatibility/2006" xmlns:p159="http://schemas.microsoft.com/office/powerpoint/2015/09/main">
+    <mc:Choice Requires="p159">
+      <p:transition xmlns:p14="http://schemas.microsoft.com/office/powerpoint/2010/main" p14:dur="10">
+        <p159:morph option="byObject"/>
+      </p:transition>
+    </mc:Choice>
+    <mc:Fallback xmlns="">
+      <p:transition>
+        <p:fade/>
+      </p:transition>
+    </mc:Fallback>
+  </mc:AlternateContent>
+</p:sld>
+</file>
+
+<file path=ppt/slides/slide30.xml><?xml version="1.0" encoding="utf-8"?>
+<p:sld xmlns:a="http://schemas.openxmlformats.org/drawingml/2006/main" xmlns:r="http://schemas.openxmlformats.org/officeDocument/2006/relationships" xmlns:p="http://schemas.openxmlformats.org/presentationml/2006/main">
+  <p:cSld>
+    <p:spTree>
+      <p:nvGrpSpPr>
+        <p:cNvPr id="1" name=""/>
+        <p:cNvGrpSpPr/>
+        <p:nvPr/>
+      </p:nvGrpSpPr>
+      <p:grpSpPr>
+        <a:xfrm>
+          <a:off x="0" y="0"/>
+          <a:ext cx="0" cy="0"/>
+          <a:chOff x="0" y="0"/>
+          <a:chExt cx="0" cy="0"/>
+        </a:xfrm>
+      </p:grpSpPr>
+      <p:sp>
+        <p:nvSpPr>
+          <p:cNvPr id="2" name="TextBox 1">
+            <a:extLst>
+              <a:ext uri="{FF2B5EF4-FFF2-40B4-BE49-F238E27FC236}">
+                <a16:creationId xmlns:a16="http://schemas.microsoft.com/office/drawing/2014/main" id="{2F87FF31-2109-44D6-4907-74398733C070}"/>
+              </a:ext>
+            </a:extLst>
+          </p:cNvPr>
+          <p:cNvSpPr txBox="1"/>
+          <p:nvPr/>
+        </p:nvSpPr>
+        <p:spPr>
+          <a:xfrm>
+            <a:off x="471948" y="648929"/>
+            <a:ext cx="8003458" cy="2554545"/>
+          </a:xfrm>
+          <a:prstGeom prst="rect">
+            <a:avLst/>
+          </a:prstGeom>
+          <a:noFill/>
+        </p:spPr>
+        <p:txBody>
+          <a:bodyPr wrap="square" rtlCol="0">
+            <a:spAutoFit/>
+          </a:bodyPr>
+          <a:lstStyle/>
+          <a:p>
+            <a:pPr algn="l"/>
+            <a:r>
+              <a:rPr lang="en-IN" sz="4000" b="1" i="1">
+                <a:effectLst/>
+                <a:latin typeface="Arial Black" panose="020B0A04020102020204" pitchFamily="34" charset="0"/>
+              </a:rPr>
+              <a:t>K-Nearest</a:t>
+            </a:r>
+            <a:r>
+              <a:rPr lang="en-IN" sz="4000" b="1" i="1">
+                <a:solidFill>
+                  <a:srgbClr val="D5D5D5"/>
+                </a:solidFill>
+                <a:effectLst/>
+                <a:latin typeface="Arial Black" panose="020B0A04020102020204" pitchFamily="34" charset="0"/>
+              </a:rPr>
+              <a:t> </a:t>
+            </a:r>
+            <a:r>
+              <a:rPr lang="en-IN" sz="4000" b="1" i="1">
+                <a:effectLst/>
+                <a:latin typeface="Arial Black" panose="020B0A04020102020204" pitchFamily="34" charset="0"/>
+              </a:rPr>
+              <a:t>Neighbour (KNN)</a:t>
+            </a:r>
+            <a:endParaRPr lang="en-IN" sz="4000" b="1" i="0">
+              <a:effectLst/>
+              <a:latin typeface="Arial Black" panose="020B0A04020102020204" pitchFamily="34" charset="0"/>
+            </a:endParaRPr>
+          </a:p>
+          <a:p>
+            <a:pPr algn="l"/>
+            <a:endParaRPr lang="en-IN" sz="4000" b="1" i="0">
+              <a:solidFill>
+                <a:srgbClr val="D5D5D5"/>
+              </a:solidFill>
+              <a:effectLst/>
+              <a:latin typeface="Arial Black" panose="020B0A04020102020204" pitchFamily="34" charset="0"/>
+            </a:endParaRPr>
+          </a:p>
+          <a:p>
+            <a:br>
+              <a:rPr lang="en-IN" sz="4000" b="1">
+                <a:latin typeface="Arial Black" panose="020B0A04020102020204" pitchFamily="34" charset="0"/>
+              </a:rPr>
+            </a:br>
+            <a:endParaRPr lang="en-IN" sz="4000" b="1">
+              <a:latin typeface="Arial Black" panose="020B0A04020102020204" pitchFamily="34" charset="0"/>
+            </a:endParaRPr>
+          </a:p>
+        </p:txBody>
+      </p:sp>
+      <p:pic>
+        <p:nvPicPr>
+          <p:cNvPr id="4" name="Picture 3">
+            <a:extLst>
+              <a:ext uri="{FF2B5EF4-FFF2-40B4-BE49-F238E27FC236}">
+                <a16:creationId xmlns:a16="http://schemas.microsoft.com/office/drawing/2014/main" id="{49EC0F06-FCAE-FEAE-D481-F26CCD6E886E}"/>
+              </a:ext>
+            </a:extLst>
+          </p:cNvPr>
+          <p:cNvPicPr>
+            <a:picLocks noChangeAspect="1"/>
+          </p:cNvPicPr>
+          <p:nvPr/>
+        </p:nvPicPr>
+        <p:blipFill>
+          <a:blip r:embed="rId2"/>
+          <a:stretch>
+            <a:fillRect/>
+          </a:stretch>
+        </p:blipFill>
+        <p:spPr>
+          <a:xfrm>
+            <a:off x="1651819" y="2438401"/>
+            <a:ext cx="9733935" cy="2880851"/>
+          </a:xfrm>
+          <a:prstGeom prst="rect">
+            <a:avLst/>
+          </a:prstGeom>
+        </p:spPr>
+      </p:pic>
+      <p:sp>
+        <p:nvSpPr>
+          <p:cNvPr id="3" name="Slide Number Placeholder 2">
+            <a:extLst>
+              <a:ext uri="{FF2B5EF4-FFF2-40B4-BE49-F238E27FC236}">
+                <a16:creationId xmlns:a16="http://schemas.microsoft.com/office/drawing/2014/main" id="{ADE1E327-73F7-6A38-45EB-11FFF8D27094}"/>
+              </a:ext>
+            </a:extLst>
+          </p:cNvPr>
+          <p:cNvSpPr>
+            <a:spLocks noGrp="1"/>
+          </p:cNvSpPr>
+          <p:nvPr>
+            <p:ph type="sldNum" sz="quarter" idx="12"/>
+          </p:nvPr>
+        </p:nvSpPr>
+        <p:spPr/>
+        <p:txBody>
+          <a:bodyPr/>
+          <a:lstStyle/>
+          <a:p>
+            <a:fld id="{83460B64-F492-4B30-8043-33212DC8301C}" type="slidenum">
+              <a:rPr lang="en-IN" smtClean="0"/>
+              <a:t>30</a:t>
+            </a:fld>
+            <a:endParaRPr lang="en-IN"/>
+          </a:p>
+        </p:txBody>
+      </p:sp>
+    </p:spTree>
+    <p:extLst>
+      <p:ext uri="{BB962C8B-B14F-4D97-AF65-F5344CB8AC3E}">
+        <p14:creationId xmlns:p14="http://schemas.microsoft.com/office/powerpoint/2010/main" val="3635022378"/>
+      </p:ext>
+    </p:extLst>
+  </p:cSld>
+  <p:clrMapOvr>
+    <a:masterClrMapping/>
+  </p:clrMapOvr>
+  <mc:AlternateContent xmlns:mc="http://schemas.openxmlformats.org/markup-compatibility/2006" xmlns:p159="http://schemas.microsoft.com/office/powerpoint/2015/09/main">
+    <mc:Choice Requires="p159">
+      <p:transition xmlns:p14="http://schemas.microsoft.com/office/powerpoint/2010/main" p14:dur="10">
+        <p159:morph option="byObject"/>
+      </p:transition>
+    </mc:Choice>
+    <mc:Fallback xmlns="">
+      <p:transition>
+        <p:fade/>
+      </p:transition>
+    </mc:Fallback>
+  </mc:AlternateContent>
+</p:sld>
+</file>
+
+<file path=ppt/slides/slide31.xml><?xml version="1.0" encoding="utf-8"?>
+<p:sld xmlns:a="http://schemas.openxmlformats.org/drawingml/2006/main" xmlns:r="http://schemas.openxmlformats.org/officeDocument/2006/relationships" xmlns:p="http://schemas.openxmlformats.org/presentationml/2006/main">
+  <p:cSld>
+    <p:spTree>
+      <p:nvGrpSpPr>
+        <p:cNvPr id="1" name=""/>
+        <p:cNvGrpSpPr/>
+        <p:nvPr/>
+      </p:nvGrpSpPr>
+      <p:grpSpPr>
+        <a:xfrm>
+          <a:off x="0" y="0"/>
+          <a:ext cx="0" cy="0"/>
+          <a:chOff x="0" y="0"/>
+          <a:chExt cx="0" cy="0"/>
+        </a:xfrm>
+      </p:grpSpPr>
+      <p:sp>
+        <p:nvSpPr>
+          <p:cNvPr id="2" name="TextBox 1">
+            <a:extLst>
+              <a:ext uri="{FF2B5EF4-FFF2-40B4-BE49-F238E27FC236}">
+                <a16:creationId xmlns:a16="http://schemas.microsoft.com/office/drawing/2014/main" id="{D47E6A71-9A65-ECBC-F044-139B74A3A81A}"/>
+              </a:ext>
+            </a:extLst>
+          </p:cNvPr>
+          <p:cNvSpPr txBox="1"/>
+          <p:nvPr/>
+        </p:nvSpPr>
+        <p:spPr>
+          <a:xfrm>
+            <a:off x="560439" y="550606"/>
+            <a:ext cx="8917858" cy="877163"/>
+          </a:xfrm>
+          <a:prstGeom prst="rect">
+            <a:avLst/>
+          </a:prstGeom>
+          <a:noFill/>
+        </p:spPr>
+        <p:txBody>
+          <a:bodyPr wrap="square" rtlCol="0">
+            <a:spAutoFit/>
+          </a:bodyPr>
+          <a:lstStyle/>
+          <a:p>
+            <a:r>
+              <a:rPr lang="en-IN" sz="4000" i="1">
+                <a:effectLst/>
+                <a:latin typeface="Arial Black" panose="020B0A04020102020204" pitchFamily="34" charset="0"/>
+              </a:rPr>
+              <a:t>Ridge Logistic Regression</a:t>
+            </a:r>
+            <a:endParaRPr lang="en-IN" sz="4000" i="0">
+              <a:effectLst/>
+              <a:latin typeface="Arial Black" panose="020B0A04020102020204" pitchFamily="34" charset="0"/>
+            </a:endParaRPr>
+          </a:p>
+          <a:p>
+            <a:endParaRPr lang="en-IN" sz="1050"/>
+          </a:p>
+        </p:txBody>
+      </p:sp>
+      <p:pic>
+        <p:nvPicPr>
+          <p:cNvPr id="4" name="Picture 3">
+            <a:extLst>
+              <a:ext uri="{FF2B5EF4-FFF2-40B4-BE49-F238E27FC236}">
+                <a16:creationId xmlns:a16="http://schemas.microsoft.com/office/drawing/2014/main" id="{A70DB2B0-F25D-D033-6241-14D55B51E020}"/>
+              </a:ext>
+            </a:extLst>
+          </p:cNvPr>
+          <p:cNvPicPr>
+            <a:picLocks noChangeAspect="1"/>
+          </p:cNvPicPr>
+          <p:nvPr/>
+        </p:nvPicPr>
+        <p:blipFill>
+          <a:blip r:embed="rId2"/>
+          <a:stretch>
+            <a:fillRect/>
+          </a:stretch>
+        </p:blipFill>
+        <p:spPr>
+          <a:xfrm>
+            <a:off x="1347019" y="2123767"/>
+            <a:ext cx="10078065" cy="2939845"/>
+          </a:xfrm>
+          <a:prstGeom prst="rect">
+            <a:avLst/>
+          </a:prstGeom>
+        </p:spPr>
+      </p:pic>
+      <p:sp>
+        <p:nvSpPr>
+          <p:cNvPr id="3" name="Slide Number Placeholder 2">
+            <a:extLst>
+              <a:ext uri="{FF2B5EF4-FFF2-40B4-BE49-F238E27FC236}">
+                <a16:creationId xmlns:a16="http://schemas.microsoft.com/office/drawing/2014/main" id="{39F019A8-C43C-F4A3-C125-A2DED74595D1}"/>
+              </a:ext>
+            </a:extLst>
+          </p:cNvPr>
+          <p:cNvSpPr>
+            <a:spLocks noGrp="1"/>
+          </p:cNvSpPr>
+          <p:nvPr>
+            <p:ph type="sldNum" sz="quarter" idx="12"/>
+          </p:nvPr>
+        </p:nvSpPr>
+        <p:spPr/>
+        <p:txBody>
+          <a:bodyPr/>
+          <a:lstStyle/>
+          <a:p>
+            <a:fld id="{83460B64-F492-4B30-8043-33212DC8301C}" type="slidenum">
+              <a:rPr lang="en-IN" smtClean="0"/>
+              <a:t>31</a:t>
+            </a:fld>
+            <a:endParaRPr lang="en-IN"/>
+          </a:p>
+        </p:txBody>
+      </p:sp>
+    </p:spTree>
+    <p:extLst>
+      <p:ext uri="{BB962C8B-B14F-4D97-AF65-F5344CB8AC3E}">
+        <p14:creationId xmlns:p14="http://schemas.microsoft.com/office/powerpoint/2010/main" val="223251604"/>
+      </p:ext>
+    </p:extLst>
+  </p:cSld>
+  <p:clrMapOvr>
+    <a:masterClrMapping/>
+  </p:clrMapOvr>
+  <mc:AlternateContent xmlns:mc="http://schemas.openxmlformats.org/markup-compatibility/2006" xmlns:p159="http://schemas.microsoft.com/office/powerpoint/2015/09/main">
+    <mc:Choice Requires="p159">
+      <p:transition xmlns:p14="http://schemas.microsoft.com/office/powerpoint/2010/main" p14:dur="10">
+        <p159:morph option="byObject"/>
+      </p:transition>
+    </mc:Choice>
+    <mc:Fallback xmlns="">
+      <p:transition>
+        <p:fade/>
+      </p:transition>
+    </mc:Fallback>
+  </mc:AlternateContent>
+</p:sld>
+</file>
+
+<file path=ppt/slides/slide32.xml><?xml version="1.0" encoding="utf-8"?>
+<p:sld xmlns:a="http://schemas.openxmlformats.org/drawingml/2006/main" xmlns:r="http://schemas.openxmlformats.org/officeDocument/2006/relationships" xmlns:p="http://schemas.openxmlformats.org/presentationml/2006/main">
+  <p:cSld>
+    <p:spTree>
+      <p:nvGrpSpPr>
+        <p:cNvPr id="1" name=""/>
+        <p:cNvGrpSpPr/>
+        <p:nvPr/>
+      </p:nvGrpSpPr>
+      <p:grpSpPr>
+        <a:xfrm>
+          <a:off x="0" y="0"/>
+          <a:ext cx="0" cy="0"/>
+          <a:chOff x="0" y="0"/>
+          <a:chExt cx="0" cy="0"/>
+        </a:xfrm>
+      </p:grpSpPr>
+      <p:sp>
+        <p:nvSpPr>
+          <p:cNvPr id="6" name="TextBox 5">
+            <a:extLst>
+              <a:ext uri="{FF2B5EF4-FFF2-40B4-BE49-F238E27FC236}">
+                <a16:creationId xmlns:a16="http://schemas.microsoft.com/office/drawing/2014/main" id="{2B79FF53-5240-61CD-E4A5-0966F7974E53}"/>
+              </a:ext>
+            </a:extLst>
+          </p:cNvPr>
+          <p:cNvSpPr txBox="1"/>
+          <p:nvPr/>
+        </p:nvSpPr>
+        <p:spPr>
+          <a:xfrm>
+            <a:off x="1022555" y="1233948"/>
+            <a:ext cx="6331974" cy="1504335"/>
+          </a:xfrm>
+          <a:prstGeom prst="rect">
+            <a:avLst/>
+          </a:prstGeom>
+          <a:noFill/>
+        </p:spPr>
+        <p:txBody>
+          <a:bodyPr wrap="square" rtlCol="0">
+            <a:spAutoFit/>
+          </a:bodyPr>
+          <a:lstStyle/>
+          <a:p>
+            <a:endParaRPr lang="en-IN"/>
+          </a:p>
+        </p:txBody>
+      </p:sp>
+      <p:sp>
+        <p:nvSpPr>
+          <p:cNvPr id="11" name="TextBox 10">
+            <a:extLst>
+              <a:ext uri="{FF2B5EF4-FFF2-40B4-BE49-F238E27FC236}">
+                <a16:creationId xmlns:a16="http://schemas.microsoft.com/office/drawing/2014/main" id="{25B0BDBB-9AD9-A9B0-3463-6672F569530D}"/>
+              </a:ext>
+            </a:extLst>
+          </p:cNvPr>
+          <p:cNvSpPr txBox="1"/>
+          <p:nvPr/>
+        </p:nvSpPr>
+        <p:spPr>
+          <a:xfrm>
+            <a:off x="511277" y="690936"/>
+            <a:ext cx="7354529" cy="984885"/>
+          </a:xfrm>
+          <a:prstGeom prst="rect">
+            <a:avLst/>
+          </a:prstGeom>
+          <a:noFill/>
+        </p:spPr>
+        <p:txBody>
+          <a:bodyPr wrap="square" rtlCol="0">
+            <a:spAutoFit/>
+          </a:bodyPr>
+          <a:lstStyle/>
+          <a:p>
+            <a:r>
+              <a:rPr lang="en-IN" sz="4000" b="1" i="1">
+                <a:effectLst/>
+                <a:latin typeface="Arial Black" panose="020B0A04020102020204" pitchFamily="34" charset="0"/>
+              </a:rPr>
+              <a:t>K-Means Clustering</a:t>
+            </a:r>
+            <a:endParaRPr lang="en-IN" sz="4000" b="1" i="0">
+              <a:effectLst/>
+              <a:latin typeface="Arial Black" panose="020B0A04020102020204" pitchFamily="34" charset="0"/>
+            </a:endParaRPr>
+          </a:p>
+          <a:p>
+            <a:endParaRPr lang="en-IN"/>
+          </a:p>
+        </p:txBody>
+      </p:sp>
+      <p:pic>
+        <p:nvPicPr>
+          <p:cNvPr id="13" name="Picture 12">
+            <a:extLst>
+              <a:ext uri="{FF2B5EF4-FFF2-40B4-BE49-F238E27FC236}">
+                <a16:creationId xmlns:a16="http://schemas.microsoft.com/office/drawing/2014/main" id="{DE8206EF-6DBE-12CA-EAA0-9BE5678DEFA8}"/>
+              </a:ext>
+            </a:extLst>
+          </p:cNvPr>
+          <p:cNvPicPr>
+            <a:picLocks noChangeAspect="1"/>
+          </p:cNvPicPr>
+          <p:nvPr/>
+        </p:nvPicPr>
+        <p:blipFill>
+          <a:blip r:embed="rId2"/>
+          <a:stretch>
+            <a:fillRect/>
+          </a:stretch>
+        </p:blipFill>
+        <p:spPr>
+          <a:xfrm>
+            <a:off x="2300748" y="2408903"/>
+            <a:ext cx="7944465" cy="2713704"/>
+          </a:xfrm>
+          <a:prstGeom prst="rect">
+            <a:avLst/>
+          </a:prstGeom>
+        </p:spPr>
+      </p:pic>
+      <p:sp>
+        <p:nvSpPr>
+          <p:cNvPr id="2" name="Slide Number Placeholder 1">
+            <a:extLst>
+              <a:ext uri="{FF2B5EF4-FFF2-40B4-BE49-F238E27FC236}">
+                <a16:creationId xmlns:a16="http://schemas.microsoft.com/office/drawing/2014/main" id="{638A4370-6924-8003-2D97-0088855F8A02}"/>
+              </a:ext>
+            </a:extLst>
+          </p:cNvPr>
+          <p:cNvSpPr>
+            <a:spLocks noGrp="1"/>
+          </p:cNvSpPr>
+          <p:nvPr>
+            <p:ph type="sldNum" sz="quarter" idx="12"/>
+          </p:nvPr>
+        </p:nvSpPr>
+        <p:spPr/>
+        <p:txBody>
+          <a:bodyPr/>
+          <a:lstStyle/>
+          <a:p>
+            <a:fld id="{83460B64-F492-4B30-8043-33212DC8301C}" type="slidenum">
+              <a:rPr lang="en-IN" smtClean="0"/>
+              <a:t>32</a:t>
+            </a:fld>
+            <a:endParaRPr lang="en-IN"/>
+          </a:p>
+        </p:txBody>
+      </p:sp>
+    </p:spTree>
+    <p:extLst>
+      <p:ext uri="{BB962C8B-B14F-4D97-AF65-F5344CB8AC3E}">
+        <p14:creationId xmlns:p14="http://schemas.microsoft.com/office/powerpoint/2010/main" val="798046286"/>
+      </p:ext>
+    </p:extLst>
+  </p:cSld>
+  <p:clrMapOvr>
+    <a:masterClrMapping/>
+  </p:clrMapOvr>
+  <mc:AlternateContent xmlns:mc="http://schemas.openxmlformats.org/markup-compatibility/2006" xmlns:p159="http://schemas.microsoft.com/office/powerpoint/2015/09/main">
+    <mc:Choice Requires="p159">
+      <p:transition xmlns:p14="http://schemas.microsoft.com/office/powerpoint/2010/main" p14:dur="10">
+        <p159:morph option="byObject"/>
+      </p:transition>
+    </mc:Choice>
+    <mc:Fallback xmlns="">
+      <p:transition>
+        <p:fade/>
+      </p:transition>
+    </mc:Fallback>
+  </mc:AlternateContent>
+</p:sld>
+</file>
+
+<file path=ppt/slides/slide33.xml><?xml version="1.0" encoding="utf-8"?>
+<p:sld xmlns:a="http://schemas.openxmlformats.org/drawingml/2006/main" xmlns:r="http://schemas.openxmlformats.org/officeDocument/2006/relationships" xmlns:p="http://schemas.openxmlformats.org/presentationml/2006/main">
+  <p:cSld>
+    <p:spTree>
+      <p:nvGrpSpPr>
+        <p:cNvPr id="1" name=""/>
+        <p:cNvGrpSpPr/>
+        <p:nvPr/>
+      </p:nvGrpSpPr>
+      <p:grpSpPr>
+        <a:xfrm>
+          <a:off x="0" y="0"/>
+          <a:ext cx="0" cy="0"/>
+          <a:chOff x="0" y="0"/>
+          <a:chExt cx="0" cy="0"/>
+        </a:xfrm>
+      </p:grpSpPr>
+      <p:sp>
+        <p:nvSpPr>
+          <p:cNvPr id="2" name="TextBox 1">
+            <a:extLst>
+              <a:ext uri="{FF2B5EF4-FFF2-40B4-BE49-F238E27FC236}">
+                <a16:creationId xmlns:a16="http://schemas.microsoft.com/office/drawing/2014/main" id="{56ED6A5D-67C6-6E29-4B87-3B00F1455040}"/>
+              </a:ext>
+            </a:extLst>
+          </p:cNvPr>
+          <p:cNvSpPr txBox="1"/>
+          <p:nvPr/>
+        </p:nvSpPr>
+        <p:spPr>
+          <a:xfrm>
+            <a:off x="707923" y="401049"/>
+            <a:ext cx="4395019" cy="1231106"/>
+          </a:xfrm>
+          <a:prstGeom prst="rect">
+            <a:avLst/>
+          </a:prstGeom>
+          <a:noFill/>
+        </p:spPr>
+        <p:txBody>
+          <a:bodyPr wrap="square" rtlCol="0">
+            <a:spAutoFit/>
+          </a:bodyPr>
+          <a:lstStyle/>
+          <a:p>
+            <a:r>
+              <a:rPr lang="en-IN" sz="5400" b="1" i="1">
+                <a:effectLst/>
+                <a:latin typeface="Arial Black" panose="020B0A04020102020204" pitchFamily="34" charset="0"/>
+              </a:rPr>
+              <a:t>XG Boost</a:t>
+            </a:r>
+            <a:endParaRPr lang="en-IN" sz="5400" b="1" i="0">
+              <a:effectLst/>
+              <a:latin typeface="Arial Black" panose="020B0A04020102020204" pitchFamily="34" charset="0"/>
+            </a:endParaRPr>
+          </a:p>
+          <a:p>
+            <a:endParaRPr lang="en-IN" sz="2000"/>
+          </a:p>
+        </p:txBody>
+      </p:sp>
+      <p:pic>
+        <p:nvPicPr>
+          <p:cNvPr id="4" name="Picture 3">
+            <a:extLst>
+              <a:ext uri="{FF2B5EF4-FFF2-40B4-BE49-F238E27FC236}">
+                <a16:creationId xmlns:a16="http://schemas.microsoft.com/office/drawing/2014/main" id="{1DADD8BF-963D-2337-9088-C9B1360CB7AA}"/>
+              </a:ext>
+            </a:extLst>
+          </p:cNvPr>
+          <p:cNvPicPr>
+            <a:picLocks noChangeAspect="1"/>
+          </p:cNvPicPr>
+          <p:nvPr/>
+        </p:nvPicPr>
+        <p:blipFill>
+          <a:blip r:embed="rId2"/>
+          <a:stretch>
+            <a:fillRect/>
+          </a:stretch>
+        </p:blipFill>
+        <p:spPr>
+          <a:xfrm>
+            <a:off x="2288458" y="2639962"/>
+            <a:ext cx="7615084" cy="2477729"/>
+          </a:xfrm>
+          <a:prstGeom prst="rect">
+            <a:avLst/>
+          </a:prstGeom>
+        </p:spPr>
+      </p:pic>
+      <p:sp>
+        <p:nvSpPr>
+          <p:cNvPr id="3" name="Slide Number Placeholder 2">
+            <a:extLst>
+              <a:ext uri="{FF2B5EF4-FFF2-40B4-BE49-F238E27FC236}">
+                <a16:creationId xmlns:a16="http://schemas.microsoft.com/office/drawing/2014/main" id="{BA83C731-3AF0-5384-1ECA-F8559F6E4706}"/>
+              </a:ext>
+            </a:extLst>
+          </p:cNvPr>
+          <p:cNvSpPr>
+            <a:spLocks noGrp="1"/>
+          </p:cNvSpPr>
+          <p:nvPr>
+            <p:ph type="sldNum" sz="quarter" idx="12"/>
+          </p:nvPr>
+        </p:nvSpPr>
+        <p:spPr/>
+        <p:txBody>
+          <a:bodyPr/>
+          <a:lstStyle/>
+          <a:p>
+            <a:fld id="{83460B64-F492-4B30-8043-33212DC8301C}" type="slidenum">
+              <a:rPr lang="en-IN" smtClean="0"/>
+              <a:t>33</a:t>
+            </a:fld>
+            <a:endParaRPr lang="en-IN"/>
+          </a:p>
+        </p:txBody>
+      </p:sp>
+    </p:spTree>
+    <p:extLst>
+      <p:ext uri="{BB962C8B-B14F-4D97-AF65-F5344CB8AC3E}">
+        <p14:creationId xmlns:p14="http://schemas.microsoft.com/office/powerpoint/2010/main" val="3437065988"/>
+      </p:ext>
+    </p:extLst>
+  </p:cSld>
+  <p:clrMapOvr>
+    <a:masterClrMapping/>
+  </p:clrMapOvr>
+  <mc:AlternateContent xmlns:mc="http://schemas.openxmlformats.org/markup-compatibility/2006" xmlns:p159="http://schemas.microsoft.com/office/powerpoint/2015/09/main">
+    <mc:Choice Requires="p159">
+      <p:transition xmlns:p14="http://schemas.microsoft.com/office/powerpoint/2010/main" p14:dur="10">
+        <p159:morph option="byObject"/>
+      </p:transition>
+    </mc:Choice>
+    <mc:Fallback xmlns="">
+      <p:transition>
+        <p:fade/>
+      </p:transition>
+    </mc:Fallback>
+  </mc:AlternateContent>
+</p:sld>
+</file>
+
+<file path=ppt/slides/slide34.xml><?xml version="1.0" encoding="utf-8"?>
+<p:sld xmlns:a="http://schemas.openxmlformats.org/drawingml/2006/main" xmlns:r="http://schemas.openxmlformats.org/officeDocument/2006/relationships" xmlns:p="http://schemas.openxmlformats.org/presentationml/2006/main">
+  <p:cSld>
+    <p:spTree>
+      <p:nvGrpSpPr>
+        <p:cNvPr id="1" name=""/>
+        <p:cNvGrpSpPr/>
+        <p:nvPr/>
+      </p:nvGrpSpPr>
+      <p:grpSpPr>
+        <a:xfrm>
+          <a:off x="0" y="0"/>
+          <a:ext cx="0" cy="0"/>
+          <a:chOff x="0" y="0"/>
+          <a:chExt cx="0" cy="0"/>
+        </a:xfrm>
+      </p:grpSpPr>
+      <p:sp>
+        <p:nvSpPr>
+          <p:cNvPr id="2" name="TextBox 1">
+            <a:extLst>
+              <a:ext uri="{FF2B5EF4-FFF2-40B4-BE49-F238E27FC236}">
+                <a16:creationId xmlns:a16="http://schemas.microsoft.com/office/drawing/2014/main" id="{CB6B09C3-D665-E714-5D94-9005FC40902E}"/>
+              </a:ext>
+            </a:extLst>
+          </p:cNvPr>
+          <p:cNvSpPr txBox="1"/>
+          <p:nvPr/>
+        </p:nvSpPr>
+        <p:spPr>
+          <a:xfrm>
+            <a:off x="137652" y="530942"/>
+            <a:ext cx="9360309" cy="984885"/>
+          </a:xfrm>
+          <a:prstGeom prst="rect">
+            <a:avLst/>
+          </a:prstGeom>
+          <a:noFill/>
+        </p:spPr>
+        <p:txBody>
+          <a:bodyPr wrap="square" rtlCol="0">
+            <a:spAutoFit/>
+          </a:bodyPr>
+          <a:lstStyle/>
+          <a:p>
+            <a:r>
+              <a:rPr lang="en-IN" sz="4000" b="1" i="1">
+                <a:effectLst/>
+                <a:latin typeface="Arial Black" panose="020B0A04020102020204" pitchFamily="34" charset="0"/>
+              </a:rPr>
+              <a:t>Support Vector Machine (SVM)</a:t>
+            </a:r>
+            <a:endParaRPr lang="en-IN" sz="4000" b="1" i="0">
+              <a:effectLst/>
+              <a:latin typeface="Arial Black" panose="020B0A04020102020204" pitchFamily="34" charset="0"/>
+            </a:endParaRPr>
+          </a:p>
+          <a:p>
+            <a:endParaRPr lang="en-IN"/>
+          </a:p>
+        </p:txBody>
+      </p:sp>
+      <p:pic>
+        <p:nvPicPr>
+          <p:cNvPr id="4" name="Picture 3">
+            <a:extLst>
+              <a:ext uri="{FF2B5EF4-FFF2-40B4-BE49-F238E27FC236}">
+                <a16:creationId xmlns:a16="http://schemas.microsoft.com/office/drawing/2014/main" id="{3567C619-3FC8-AD6F-FAD2-871454090DFA}"/>
+              </a:ext>
+            </a:extLst>
+          </p:cNvPr>
+          <p:cNvPicPr>
+            <a:picLocks noChangeAspect="1"/>
+          </p:cNvPicPr>
+          <p:nvPr/>
+        </p:nvPicPr>
+        <p:blipFill>
+          <a:blip r:embed="rId2"/>
+          <a:stretch>
+            <a:fillRect/>
+          </a:stretch>
+        </p:blipFill>
+        <p:spPr>
+          <a:xfrm>
+            <a:off x="1573161" y="2521504"/>
+            <a:ext cx="9222657" cy="2620767"/>
+          </a:xfrm>
+          <a:prstGeom prst="rect">
+            <a:avLst/>
+          </a:prstGeom>
+        </p:spPr>
+      </p:pic>
+      <p:sp>
+        <p:nvSpPr>
+          <p:cNvPr id="3" name="Slide Number Placeholder 2">
+            <a:extLst>
+              <a:ext uri="{FF2B5EF4-FFF2-40B4-BE49-F238E27FC236}">
+                <a16:creationId xmlns:a16="http://schemas.microsoft.com/office/drawing/2014/main" id="{B4689D86-0CDE-9951-0872-96CFFD09B9CA}"/>
+              </a:ext>
+            </a:extLst>
+          </p:cNvPr>
+          <p:cNvSpPr>
+            <a:spLocks noGrp="1"/>
+          </p:cNvSpPr>
+          <p:nvPr>
+            <p:ph type="sldNum" sz="quarter" idx="12"/>
+          </p:nvPr>
+        </p:nvSpPr>
+        <p:spPr/>
+        <p:txBody>
+          <a:bodyPr/>
+          <a:lstStyle/>
+          <a:p>
+            <a:fld id="{83460B64-F492-4B30-8043-33212DC8301C}" type="slidenum">
+              <a:rPr lang="en-IN" smtClean="0"/>
+              <a:t>34</a:t>
+            </a:fld>
+            <a:endParaRPr lang="en-IN"/>
+          </a:p>
+        </p:txBody>
+      </p:sp>
+    </p:spTree>
+    <p:extLst>
+      <p:ext uri="{BB962C8B-B14F-4D97-AF65-F5344CB8AC3E}">
+        <p14:creationId xmlns:p14="http://schemas.microsoft.com/office/powerpoint/2010/main" val="421123064"/>
+      </p:ext>
+    </p:extLst>
+  </p:cSld>
+  <p:clrMapOvr>
+    <a:masterClrMapping/>
+  </p:clrMapOvr>
+  <mc:AlternateContent xmlns:mc="http://schemas.openxmlformats.org/markup-compatibility/2006" xmlns:p159="http://schemas.microsoft.com/office/powerpoint/2015/09/main">
+    <mc:Choice Requires="p159">
+      <p:transition xmlns:p14="http://schemas.microsoft.com/office/powerpoint/2010/main" p14:dur="10">
+        <p159:morph option="byObject"/>
+      </p:transition>
+    </mc:Choice>
+    <mc:Fallback xmlns="">
+      <p:transition>
+        <p:fade/>
+      </p:transition>
+    </mc:Fallback>
+  </mc:AlternateContent>
+</p:sld>
+</file>
+
+<file path=ppt/slides/slide35.xml><?xml version="1.0" encoding="utf-8"?>
+<p:sld xmlns:a="http://schemas.openxmlformats.org/drawingml/2006/main" xmlns:r="http://schemas.openxmlformats.org/officeDocument/2006/relationships" xmlns:p="http://schemas.openxmlformats.org/presentationml/2006/main">
+  <p:cSld>
+    <p:spTree>
+      <p:nvGrpSpPr>
+        <p:cNvPr id="1" name=""/>
+        <p:cNvGrpSpPr/>
+        <p:nvPr/>
+      </p:nvGrpSpPr>
+      <p:grpSpPr>
+        <a:xfrm>
+          <a:off x="0" y="0"/>
+          <a:ext cx="0" cy="0"/>
+          <a:chOff x="0" y="0"/>
+          <a:chExt cx="0" cy="0"/>
+        </a:xfrm>
+      </p:grpSpPr>
+      <p:sp>
+        <p:nvSpPr>
+          <p:cNvPr id="4" name="Title 3">
+            <a:extLst>
+              <a:ext uri="{FF2B5EF4-FFF2-40B4-BE49-F238E27FC236}">
+                <a16:creationId xmlns:a16="http://schemas.microsoft.com/office/drawing/2014/main" id="{84809A96-61D3-228D-A527-0BC6B5E36523}"/>
+              </a:ext>
+            </a:extLst>
+          </p:cNvPr>
+          <p:cNvSpPr>
+            <a:spLocks noGrp="1"/>
+          </p:cNvSpPr>
+          <p:nvPr>
+            <p:ph type="title"/>
+          </p:nvPr>
+        </p:nvSpPr>
+        <p:spPr>
+          <a:xfrm>
+            <a:off x="559837" y="582848"/>
+            <a:ext cx="8761413" cy="1000077"/>
+          </a:xfrm>
+        </p:spPr>
+        <p:txBody>
+          <a:bodyPr>
+            <a:normAutofit/>
+          </a:bodyPr>
+          <a:lstStyle/>
+          <a:p>
+            <a:r>
+              <a:rPr lang="en-US" sz="4800" b="1">
+                <a:latin typeface="Arial Black" panose="020B0A04020102020204" pitchFamily="34" charset="0"/>
+              </a:rPr>
+              <a:t>CONCLUSION</a:t>
+            </a:r>
+            <a:endParaRPr lang="en-IN" sz="4800" b="1">
+              <a:latin typeface="Arial Black" panose="020B0A04020102020204" pitchFamily="34" charset="0"/>
+            </a:endParaRPr>
+          </a:p>
+        </p:txBody>
+      </p:sp>
+      <p:sp>
+        <p:nvSpPr>
+          <p:cNvPr id="2" name="Slide Number Placeholder 1">
+            <a:extLst>
+              <a:ext uri="{FF2B5EF4-FFF2-40B4-BE49-F238E27FC236}">
+                <a16:creationId xmlns:a16="http://schemas.microsoft.com/office/drawing/2014/main" id="{2C0E0656-5A16-9140-CED5-82BCEE0510E9}"/>
+              </a:ext>
+            </a:extLst>
+          </p:cNvPr>
+          <p:cNvSpPr>
+            <a:spLocks noGrp="1"/>
+          </p:cNvSpPr>
+          <p:nvPr>
+            <p:ph type="sldNum" sz="quarter" idx="12"/>
+          </p:nvPr>
+        </p:nvSpPr>
+        <p:spPr/>
+        <p:txBody>
+          <a:bodyPr/>
+          <a:lstStyle/>
+          <a:p>
+            <a:fld id="{83460B64-F492-4B30-8043-33212DC8301C}" type="slidenum">
+              <a:rPr lang="en-IN" smtClean="0"/>
+              <a:t>35</a:t>
             </a:fld>
             <a:endParaRPr lang="en-IN"/>
           </a:p>
@@ -18121,7 +20091,7 @@
                 <a:latin typeface="Times New Roman" panose="02020603050405020304" pitchFamily="18" charset="0"/>
                 <a:cs typeface="Times New Roman" panose="02020603050405020304" pitchFamily="18" charset="0"/>
               </a:rPr>
-              <a:t>Eight machine learning algorithms were used for the Concrete Strength Prediction dataset: </a:t>
+              <a:t>Eight machine learning algorithms were used for the Credit risk Prediction dataset: </a:t>
             </a:r>
             <a:r>
               <a:rPr lang="en-IN" sz="2400" kern="1200">
@@ -18373,1969 +20343,6 @@
 </p:sld>
 </file>
 
-<file path=ppt/slides/slide26.xml><?xml version="1.0" encoding="utf-8"?>
-<p:sld xmlns:a="http://schemas.openxmlformats.org/drawingml/2006/main" xmlns:r="http://schemas.openxmlformats.org/officeDocument/2006/relationships" xmlns:p="http://schemas.openxmlformats.org/presentationml/2006/main">
-  <p:cSld>
-    <p:spTree>
-      <p:nvGrpSpPr>
-        <p:cNvPr id="1" name=""/>
-        <p:cNvGrpSpPr/>
-        <p:nvPr/>
-      </p:nvGrpSpPr>
-      <p:grpSpPr>
-        <a:xfrm>
-          <a:off x="0" y="0"/>
-          <a:ext cx="0" cy="0"/>
-          <a:chOff x="0" y="0"/>
-          <a:chExt cx="0" cy="0"/>
-        </a:xfrm>
-      </p:grpSpPr>
-      <p:sp>
-        <p:nvSpPr>
-          <p:cNvPr id="2" name="Title 1">
-            <a:extLst>
-              <a:ext uri="{FF2B5EF4-FFF2-40B4-BE49-F238E27FC236}">
-                <a16:creationId xmlns:a16="http://schemas.microsoft.com/office/drawing/2014/main" id="{0E341BFF-02BE-3EE1-D16F-A405504911C1}"/>
-              </a:ext>
-            </a:extLst>
-          </p:cNvPr>
-          <p:cNvSpPr>
-            <a:spLocks noGrp="1"/>
-          </p:cNvSpPr>
-          <p:nvPr>
-            <p:ph type="ctrTitle"/>
-          </p:nvPr>
-        </p:nvSpPr>
-        <p:spPr>
-          <a:xfrm>
-            <a:off x="1584017" y="751352"/>
-            <a:ext cx="8825658" cy="2677648"/>
-          </a:xfrm>
-        </p:spPr>
-        <p:txBody>
-          <a:bodyPr/>
-          <a:lstStyle/>
-          <a:p>
-            <a:r>
-              <a:rPr lang="en-US" sz="7200">
-                <a:latin typeface="Arial Black"/>
-              </a:rPr>
-              <a:t>APPENDIX:</a:t>
-            </a:r>
-            <a:endParaRPr lang="en-IN" sz="7200">
-              <a:latin typeface="Arial Black" panose="020B0A04020102020204" pitchFamily="34" charset="0"/>
-            </a:endParaRPr>
-          </a:p>
-        </p:txBody>
-      </p:sp>
-      <p:sp>
-        <p:nvSpPr>
-          <p:cNvPr id="3" name="TextBox 2">
-            <a:extLst>
-              <a:ext uri="{FF2B5EF4-FFF2-40B4-BE49-F238E27FC236}">
-                <a16:creationId xmlns:a16="http://schemas.microsoft.com/office/drawing/2014/main" id="{AF5B68A3-2306-5086-9A18-7599FEBAD1B3}"/>
-              </a:ext>
-            </a:extLst>
-          </p:cNvPr>
-          <p:cNvSpPr txBox="1"/>
-          <p:nvPr/>
-        </p:nvSpPr>
-        <p:spPr>
-          <a:xfrm>
-            <a:off x="10515601" y="417445"/>
-            <a:ext cx="634482" cy="461665"/>
-          </a:xfrm>
-          <a:prstGeom prst="rect">
-            <a:avLst/>
-          </a:prstGeom>
-          <a:noFill/>
-        </p:spPr>
-        <p:txBody>
-          <a:bodyPr wrap="square" rtlCol="0">
-            <a:spAutoFit/>
-          </a:bodyPr>
-          <a:lstStyle/>
-          <a:p>
-            <a:r>
-              <a:rPr lang="en-US" sz="2400">
-                <a:solidFill>
-                  <a:schemeClr val="bg1"/>
-                </a:solidFill>
-              </a:rPr>
-              <a:t>27</a:t>
-            </a:r>
-            <a:endParaRPr lang="en-IN" sz="2400">
-              <a:solidFill>
-                <a:schemeClr val="bg1"/>
-              </a:solidFill>
-            </a:endParaRPr>
-          </a:p>
-        </p:txBody>
-      </p:sp>
-    </p:spTree>
-    <p:extLst>
-      <p:ext uri="{BB962C8B-B14F-4D97-AF65-F5344CB8AC3E}">
-        <p14:creationId xmlns:p14="http://schemas.microsoft.com/office/powerpoint/2010/main" val="2359634341"/>
-      </p:ext>
-    </p:extLst>
-  </p:cSld>
-  <p:clrMapOvr>
-    <a:masterClrMapping/>
-  </p:clrMapOvr>
-  <mc:AlternateContent xmlns:mc="http://schemas.openxmlformats.org/markup-compatibility/2006" xmlns:p159="http://schemas.microsoft.com/office/powerpoint/2015/09/main">
-    <mc:Choice Requires="p159">
-      <p:transition xmlns:p14="http://schemas.microsoft.com/office/powerpoint/2010/main" p14:dur="10">
-        <p159:morph option="byObject"/>
-      </p:transition>
-    </mc:Choice>
-    <mc:Fallback xmlns="">
-      <p:transition>
-        <p:fade/>
-      </p:transition>
-    </mc:Fallback>
-  </mc:AlternateContent>
-</p:sld>
-</file>
-
-<file path=ppt/slides/slide27.xml><?xml version="1.0" encoding="utf-8"?>
-<p:sld xmlns:a="http://schemas.openxmlformats.org/drawingml/2006/main" xmlns:r="http://schemas.openxmlformats.org/officeDocument/2006/relationships" xmlns:p="http://schemas.openxmlformats.org/presentationml/2006/main">
-  <p:cSld>
-    <p:spTree>
-      <p:nvGrpSpPr>
-        <p:cNvPr id="1" name=""/>
-        <p:cNvGrpSpPr/>
-        <p:nvPr/>
-      </p:nvGrpSpPr>
-      <p:grpSpPr>
-        <a:xfrm>
-          <a:off x="0" y="0"/>
-          <a:ext cx="0" cy="0"/>
-          <a:chOff x="0" y="0"/>
-          <a:chExt cx="0" cy="0"/>
-        </a:xfrm>
-      </p:grpSpPr>
-      <p:pic>
-        <p:nvPicPr>
-          <p:cNvPr id="3" name="Picture 2">
-            <a:extLst>
-              <a:ext uri="{FF2B5EF4-FFF2-40B4-BE49-F238E27FC236}">
-                <a16:creationId xmlns:a16="http://schemas.microsoft.com/office/drawing/2014/main" id="{34B17131-BFDC-790B-0C22-BFB7166CBA1E}"/>
-              </a:ext>
-            </a:extLst>
-          </p:cNvPr>
-          <p:cNvPicPr>
-            <a:picLocks noChangeAspect="1"/>
-          </p:cNvPicPr>
-          <p:nvPr/>
-        </p:nvPicPr>
-        <p:blipFill>
-          <a:blip r:embed="rId2"/>
-          <a:stretch>
-            <a:fillRect/>
-          </a:stretch>
-        </p:blipFill>
-        <p:spPr>
-          <a:xfrm>
-            <a:off x="-2" y="1041813"/>
-            <a:ext cx="5122607" cy="739204"/>
-          </a:xfrm>
-          <a:prstGeom prst="rect">
-            <a:avLst/>
-          </a:prstGeom>
-        </p:spPr>
-      </p:pic>
-      <p:pic>
-        <p:nvPicPr>
-          <p:cNvPr id="8" name="Picture 7">
-            <a:extLst>
-              <a:ext uri="{FF2B5EF4-FFF2-40B4-BE49-F238E27FC236}">
-                <a16:creationId xmlns:a16="http://schemas.microsoft.com/office/drawing/2014/main" id="{EA26E4DE-4C62-FFA2-AC33-C09A77B9EFA8}"/>
-              </a:ext>
-            </a:extLst>
-          </p:cNvPr>
-          <p:cNvPicPr>
-            <a:picLocks noChangeAspect="1"/>
-          </p:cNvPicPr>
-          <p:nvPr/>
-        </p:nvPicPr>
-        <p:blipFill>
-          <a:blip r:embed="rId3"/>
-          <a:stretch>
-            <a:fillRect/>
-          </a:stretch>
-        </p:blipFill>
-        <p:spPr>
-          <a:xfrm>
-            <a:off x="0" y="1781017"/>
-            <a:ext cx="6980903" cy="4023683"/>
-          </a:xfrm>
-          <a:prstGeom prst="rect">
-            <a:avLst/>
-          </a:prstGeom>
-        </p:spPr>
-      </p:pic>
-      <p:pic>
-        <p:nvPicPr>
-          <p:cNvPr id="10" name="Picture 9">
-            <a:extLst>
-              <a:ext uri="{FF2B5EF4-FFF2-40B4-BE49-F238E27FC236}">
-                <a16:creationId xmlns:a16="http://schemas.microsoft.com/office/drawing/2014/main" id="{4EFC96AD-DACA-3CF6-8489-DBDF9267B0A9}"/>
-              </a:ext>
-            </a:extLst>
-          </p:cNvPr>
-          <p:cNvPicPr>
-            <a:picLocks noChangeAspect="1"/>
-          </p:cNvPicPr>
-          <p:nvPr/>
-        </p:nvPicPr>
-        <p:blipFill>
-          <a:blip r:embed="rId4"/>
-          <a:stretch>
-            <a:fillRect/>
-          </a:stretch>
-        </p:blipFill>
-        <p:spPr>
-          <a:xfrm>
-            <a:off x="-1" y="5760526"/>
-            <a:ext cx="6980903" cy="1053300"/>
-          </a:xfrm>
-          <a:prstGeom prst="rect">
-            <a:avLst/>
-          </a:prstGeom>
-        </p:spPr>
-      </p:pic>
-      <p:pic>
-        <p:nvPicPr>
-          <p:cNvPr id="17" name="Picture 16">
-            <a:extLst>
-              <a:ext uri="{FF2B5EF4-FFF2-40B4-BE49-F238E27FC236}">
-                <a16:creationId xmlns:a16="http://schemas.microsoft.com/office/drawing/2014/main" id="{3F7C627B-085D-2326-0C42-3DF503263A0A}"/>
-              </a:ext>
-            </a:extLst>
-          </p:cNvPr>
-          <p:cNvPicPr>
-            <a:picLocks noChangeAspect="1"/>
-          </p:cNvPicPr>
-          <p:nvPr/>
-        </p:nvPicPr>
-        <p:blipFill>
-          <a:blip r:embed="rId5"/>
-          <a:stretch>
-            <a:fillRect/>
-          </a:stretch>
-        </p:blipFill>
-        <p:spPr>
-          <a:xfrm>
-            <a:off x="6980903" y="1780319"/>
-            <a:ext cx="5211097" cy="4023683"/>
-          </a:xfrm>
-          <a:prstGeom prst="rect">
-            <a:avLst/>
-          </a:prstGeom>
-        </p:spPr>
-      </p:pic>
-      <p:pic>
-        <p:nvPicPr>
-          <p:cNvPr id="19" name="Picture 18">
-            <a:extLst>
-              <a:ext uri="{FF2B5EF4-FFF2-40B4-BE49-F238E27FC236}">
-                <a16:creationId xmlns:a16="http://schemas.microsoft.com/office/drawing/2014/main" id="{72EED8DE-244B-D886-1428-5E365FE6A341}"/>
-              </a:ext>
-            </a:extLst>
-          </p:cNvPr>
-          <p:cNvPicPr>
-            <a:picLocks noChangeAspect="1"/>
-          </p:cNvPicPr>
-          <p:nvPr/>
-        </p:nvPicPr>
-        <p:blipFill>
-          <a:blip r:embed="rId6"/>
-          <a:stretch>
-            <a:fillRect/>
-          </a:stretch>
-        </p:blipFill>
-        <p:spPr>
-          <a:xfrm>
-            <a:off x="6980902" y="5760526"/>
-            <a:ext cx="5211097" cy="1053300"/>
-          </a:xfrm>
-          <a:prstGeom prst="rect">
-            <a:avLst/>
-          </a:prstGeom>
-        </p:spPr>
-      </p:pic>
-      <p:sp>
-        <p:nvSpPr>
-          <p:cNvPr id="20" name="TextBox 19">
-            <a:extLst>
-              <a:ext uri="{FF2B5EF4-FFF2-40B4-BE49-F238E27FC236}">
-                <a16:creationId xmlns:a16="http://schemas.microsoft.com/office/drawing/2014/main" id="{5001C75C-82A2-9009-E58B-F03A7A6EAFC9}"/>
-              </a:ext>
-            </a:extLst>
-          </p:cNvPr>
-          <p:cNvSpPr txBox="1"/>
-          <p:nvPr/>
-        </p:nvSpPr>
-        <p:spPr>
-          <a:xfrm>
-            <a:off x="157317" y="19580"/>
-            <a:ext cx="6980903" cy="923330"/>
-          </a:xfrm>
-          <a:prstGeom prst="rect">
-            <a:avLst/>
-          </a:prstGeom>
-          <a:noFill/>
-        </p:spPr>
-        <p:txBody>
-          <a:bodyPr wrap="square" rtlCol="0">
-            <a:spAutoFit/>
-          </a:bodyPr>
-          <a:lstStyle/>
-          <a:p>
-            <a:r>
-              <a:rPr lang="en-IN" sz="3600" b="1" i="1">
-                <a:effectLst/>
-                <a:latin typeface="Arial Black" panose="020B0A04020102020204" pitchFamily="34" charset="0"/>
-              </a:rPr>
-              <a:t>Applying Dummy Variable</a:t>
-            </a:r>
-            <a:endParaRPr lang="en-IN" sz="3600" b="0" i="0">
-              <a:effectLst/>
-              <a:latin typeface="Arial Black" panose="020B0A04020102020204" pitchFamily="34" charset="0"/>
-            </a:endParaRPr>
-          </a:p>
-          <a:p>
-            <a:endParaRPr lang="en-IN"/>
-          </a:p>
-        </p:txBody>
-      </p:sp>
-      <p:sp>
-        <p:nvSpPr>
-          <p:cNvPr id="2" name="Slide Number Placeholder 1">
-            <a:extLst>
-              <a:ext uri="{FF2B5EF4-FFF2-40B4-BE49-F238E27FC236}">
-                <a16:creationId xmlns:a16="http://schemas.microsoft.com/office/drawing/2014/main" id="{844059F9-5E48-453C-2405-5A1B3FCFF9D5}"/>
-              </a:ext>
-            </a:extLst>
-          </p:cNvPr>
-          <p:cNvSpPr>
-            <a:spLocks noGrp="1"/>
-          </p:cNvSpPr>
-          <p:nvPr>
-            <p:ph type="sldNum" sz="quarter" idx="12"/>
-          </p:nvPr>
-        </p:nvSpPr>
-        <p:spPr/>
-        <p:txBody>
-          <a:bodyPr/>
-          <a:lstStyle/>
-          <a:p>
-            <a:fld id="{83460B64-F492-4B30-8043-33212DC8301C}" type="slidenum">
-              <a:rPr lang="en-IN" smtClean="0"/>
-              <a:t>27</a:t>
-            </a:fld>
-            <a:endParaRPr lang="en-IN"/>
-          </a:p>
-        </p:txBody>
-      </p:sp>
-    </p:spTree>
-    <p:extLst>
-      <p:ext uri="{BB962C8B-B14F-4D97-AF65-F5344CB8AC3E}">
-        <p14:creationId xmlns:p14="http://schemas.microsoft.com/office/powerpoint/2010/main" val="1209306594"/>
-      </p:ext>
-    </p:extLst>
-  </p:cSld>
-  <p:clrMapOvr>
-    <a:masterClrMapping/>
-  </p:clrMapOvr>
-  <mc:AlternateContent xmlns:mc="http://schemas.openxmlformats.org/markup-compatibility/2006" xmlns:p159="http://schemas.microsoft.com/office/powerpoint/2015/09/main">
-    <mc:Choice Requires="p159">
-      <p:transition xmlns:p14="http://schemas.microsoft.com/office/powerpoint/2010/main" p14:dur="10">
-        <p159:morph option="byObject"/>
-      </p:transition>
-    </mc:Choice>
-    <mc:Fallback xmlns="">
-      <p:transition>
-        <p:fade/>
-      </p:transition>
-    </mc:Fallback>
-  </mc:AlternateContent>
-</p:sld>
-</file>
-
-<file path=ppt/slides/slide28.xml><?xml version="1.0" encoding="utf-8"?>
-<p:sld xmlns:a="http://schemas.openxmlformats.org/drawingml/2006/main" xmlns:r="http://schemas.openxmlformats.org/officeDocument/2006/relationships" xmlns:p="http://schemas.openxmlformats.org/presentationml/2006/main">
-  <p:cSld>
-    <p:spTree>
-      <p:nvGrpSpPr>
-        <p:cNvPr id="1" name=""/>
-        <p:cNvGrpSpPr/>
-        <p:nvPr/>
-      </p:nvGrpSpPr>
-      <p:grpSpPr>
-        <a:xfrm>
-          <a:off x="0" y="0"/>
-          <a:ext cx="0" cy="0"/>
-          <a:chOff x="0" y="0"/>
-          <a:chExt cx="0" cy="0"/>
-        </a:xfrm>
-      </p:grpSpPr>
-      <p:sp>
-        <p:nvSpPr>
-          <p:cNvPr id="8" name="TextBox 7">
-            <a:extLst>
-              <a:ext uri="{FF2B5EF4-FFF2-40B4-BE49-F238E27FC236}">
-                <a16:creationId xmlns:a16="http://schemas.microsoft.com/office/drawing/2014/main" id="{BC9284D5-EA29-4A75-52EC-B19CB1C8656E}"/>
-              </a:ext>
-            </a:extLst>
-          </p:cNvPr>
-          <p:cNvSpPr txBox="1"/>
-          <p:nvPr/>
-        </p:nvSpPr>
-        <p:spPr>
-          <a:xfrm>
-            <a:off x="693174" y="860323"/>
-            <a:ext cx="6695768" cy="923330"/>
-          </a:xfrm>
-          <a:prstGeom prst="rect">
-            <a:avLst/>
-          </a:prstGeom>
-          <a:noFill/>
-        </p:spPr>
-        <p:txBody>
-          <a:bodyPr wrap="square" rtlCol="0">
-            <a:spAutoFit/>
-          </a:bodyPr>
-          <a:lstStyle/>
-          <a:p>
-            <a:r>
-              <a:rPr lang="en-IN" sz="3600" b="1" i="1">
-                <a:effectLst/>
-                <a:latin typeface="Arial Black" panose="020B0A04020102020204" pitchFamily="34" charset="0"/>
-              </a:rPr>
-              <a:t>Logistic Regression</a:t>
-            </a:r>
-            <a:endParaRPr lang="en-IN" sz="3600" b="1" i="0">
-              <a:effectLst/>
-              <a:latin typeface="Arial Black" panose="020B0A04020102020204" pitchFamily="34" charset="0"/>
-            </a:endParaRPr>
-          </a:p>
-          <a:p>
-            <a:endParaRPr lang="en-IN"/>
-          </a:p>
-        </p:txBody>
-      </p:sp>
-      <p:pic>
-        <p:nvPicPr>
-          <p:cNvPr id="16" name="Picture 15">
-            <a:extLst>
-              <a:ext uri="{FF2B5EF4-FFF2-40B4-BE49-F238E27FC236}">
-                <a16:creationId xmlns:a16="http://schemas.microsoft.com/office/drawing/2014/main" id="{FBC13913-6478-E4DA-3246-67011F52DCBA}"/>
-              </a:ext>
-            </a:extLst>
-          </p:cNvPr>
-          <p:cNvPicPr>
-            <a:picLocks noChangeAspect="1"/>
-          </p:cNvPicPr>
-          <p:nvPr/>
-        </p:nvPicPr>
-        <p:blipFill>
-          <a:blip r:embed="rId2"/>
-          <a:stretch>
-            <a:fillRect/>
-          </a:stretch>
-        </p:blipFill>
-        <p:spPr>
-          <a:xfrm>
-            <a:off x="3224535" y="2627306"/>
-            <a:ext cx="5742930" cy="1603387"/>
-          </a:xfrm>
-          <a:prstGeom prst="rect">
-            <a:avLst/>
-          </a:prstGeom>
-        </p:spPr>
-      </p:pic>
-      <p:pic>
-        <p:nvPicPr>
-          <p:cNvPr id="17" name="Picture 16">
-            <a:extLst>
-              <a:ext uri="{FF2B5EF4-FFF2-40B4-BE49-F238E27FC236}">
-                <a16:creationId xmlns:a16="http://schemas.microsoft.com/office/drawing/2014/main" id="{49D54743-DC22-33C2-323A-DD729A8EF7E4}"/>
-              </a:ext>
-            </a:extLst>
-          </p:cNvPr>
-          <p:cNvPicPr>
-            <a:picLocks noChangeAspect="1"/>
-          </p:cNvPicPr>
-          <p:nvPr/>
-        </p:nvPicPr>
-        <p:blipFill>
-          <a:blip r:embed="rId2"/>
-          <a:stretch>
-            <a:fillRect/>
-          </a:stretch>
-        </p:blipFill>
-        <p:spPr>
-          <a:xfrm>
-            <a:off x="3376935" y="2779706"/>
-            <a:ext cx="5742930" cy="1603387"/>
-          </a:xfrm>
-          <a:prstGeom prst="rect">
-            <a:avLst/>
-          </a:prstGeom>
-        </p:spPr>
-      </p:pic>
-      <p:pic>
-        <p:nvPicPr>
-          <p:cNvPr id="18" name="Picture 17">
-            <a:extLst>
-              <a:ext uri="{FF2B5EF4-FFF2-40B4-BE49-F238E27FC236}">
-                <a16:creationId xmlns:a16="http://schemas.microsoft.com/office/drawing/2014/main" id="{E54526A3-CED4-9BD4-03A7-B634B63BED28}"/>
-              </a:ext>
-            </a:extLst>
-          </p:cNvPr>
-          <p:cNvPicPr>
-            <a:picLocks noChangeAspect="1"/>
-          </p:cNvPicPr>
-          <p:nvPr/>
-        </p:nvPicPr>
-        <p:blipFill>
-          <a:blip r:embed="rId2"/>
-          <a:stretch>
-            <a:fillRect/>
-          </a:stretch>
-        </p:blipFill>
-        <p:spPr>
-          <a:xfrm>
-            <a:off x="3529335" y="2932106"/>
-            <a:ext cx="5742930" cy="1603387"/>
-          </a:xfrm>
-          <a:prstGeom prst="rect">
-            <a:avLst/>
-          </a:prstGeom>
-        </p:spPr>
-      </p:pic>
-      <p:pic>
-        <p:nvPicPr>
-          <p:cNvPr id="19" name="Picture 18">
-            <a:extLst>
-              <a:ext uri="{FF2B5EF4-FFF2-40B4-BE49-F238E27FC236}">
-                <a16:creationId xmlns:a16="http://schemas.microsoft.com/office/drawing/2014/main" id="{DB4AE710-A4E8-86AA-98D0-D821487FCB5A}"/>
-              </a:ext>
-            </a:extLst>
-          </p:cNvPr>
-          <p:cNvPicPr>
-            <a:picLocks noChangeAspect="1"/>
-          </p:cNvPicPr>
-          <p:nvPr/>
-        </p:nvPicPr>
-        <p:blipFill>
-          <a:blip r:embed="rId2"/>
-          <a:stretch>
-            <a:fillRect/>
-          </a:stretch>
-        </p:blipFill>
-        <p:spPr>
-          <a:xfrm>
-            <a:off x="3681735" y="3084506"/>
-            <a:ext cx="5742930" cy="1603387"/>
-          </a:xfrm>
-          <a:prstGeom prst="rect">
-            <a:avLst/>
-          </a:prstGeom>
-        </p:spPr>
-      </p:pic>
-      <p:pic>
-        <p:nvPicPr>
-          <p:cNvPr id="20" name="Picture 19">
-            <a:extLst>
-              <a:ext uri="{FF2B5EF4-FFF2-40B4-BE49-F238E27FC236}">
-                <a16:creationId xmlns:a16="http://schemas.microsoft.com/office/drawing/2014/main" id="{1C7ADF80-3988-B7BF-551E-E0C85BAA7D35}"/>
-              </a:ext>
-            </a:extLst>
-          </p:cNvPr>
-          <p:cNvPicPr>
-            <a:picLocks noChangeAspect="1"/>
-          </p:cNvPicPr>
-          <p:nvPr/>
-        </p:nvPicPr>
-        <p:blipFill>
-          <a:blip r:embed="rId2"/>
-          <a:stretch>
-            <a:fillRect/>
-          </a:stretch>
-        </p:blipFill>
-        <p:spPr>
-          <a:xfrm>
-            <a:off x="3834135" y="3236906"/>
-            <a:ext cx="5742930" cy="1603387"/>
-          </a:xfrm>
-          <a:prstGeom prst="rect">
-            <a:avLst/>
-          </a:prstGeom>
-        </p:spPr>
-      </p:pic>
-      <p:pic>
-        <p:nvPicPr>
-          <p:cNvPr id="23" name="Picture 22">
-            <a:extLst>
-              <a:ext uri="{FF2B5EF4-FFF2-40B4-BE49-F238E27FC236}">
-                <a16:creationId xmlns:a16="http://schemas.microsoft.com/office/drawing/2014/main" id="{A571E93D-7557-A7B8-B024-BCCE4271C8DE}"/>
-              </a:ext>
-            </a:extLst>
-          </p:cNvPr>
-          <p:cNvPicPr>
-            <a:picLocks noChangeAspect="1"/>
-          </p:cNvPicPr>
-          <p:nvPr/>
-        </p:nvPicPr>
-        <p:blipFill>
-          <a:blip r:embed="rId3"/>
-          <a:stretch>
-            <a:fillRect/>
-          </a:stretch>
-        </p:blipFill>
-        <p:spPr>
-          <a:xfrm>
-            <a:off x="1076632" y="2627306"/>
-            <a:ext cx="9797845" cy="2814848"/>
-          </a:xfrm>
-          <a:prstGeom prst="rect">
-            <a:avLst/>
-          </a:prstGeom>
-        </p:spPr>
-      </p:pic>
-      <p:sp>
-        <p:nvSpPr>
-          <p:cNvPr id="2" name="Slide Number Placeholder 1">
-            <a:extLst>
-              <a:ext uri="{FF2B5EF4-FFF2-40B4-BE49-F238E27FC236}">
-                <a16:creationId xmlns:a16="http://schemas.microsoft.com/office/drawing/2014/main" id="{071F49C1-B08D-06F6-C44D-9742C1933690}"/>
-              </a:ext>
-            </a:extLst>
-          </p:cNvPr>
-          <p:cNvSpPr>
-            <a:spLocks noGrp="1"/>
-          </p:cNvSpPr>
-          <p:nvPr>
-            <p:ph type="sldNum" sz="quarter" idx="12"/>
-          </p:nvPr>
-        </p:nvSpPr>
-        <p:spPr/>
-        <p:txBody>
-          <a:bodyPr/>
-          <a:lstStyle/>
-          <a:p>
-            <a:fld id="{83460B64-F492-4B30-8043-33212DC8301C}" type="slidenum">
-              <a:rPr lang="en-IN" smtClean="0"/>
-              <a:t>28</a:t>
-            </a:fld>
-            <a:endParaRPr lang="en-IN"/>
-          </a:p>
-        </p:txBody>
-      </p:sp>
-    </p:spTree>
-    <p:extLst>
-      <p:ext uri="{BB962C8B-B14F-4D97-AF65-F5344CB8AC3E}">
-        <p14:creationId xmlns:p14="http://schemas.microsoft.com/office/powerpoint/2010/main" val="3613276555"/>
-      </p:ext>
-    </p:extLst>
-  </p:cSld>
-  <p:clrMapOvr>
-    <a:masterClrMapping/>
-  </p:clrMapOvr>
-  <mc:AlternateContent xmlns:mc="http://schemas.openxmlformats.org/markup-compatibility/2006" xmlns:p159="http://schemas.microsoft.com/office/powerpoint/2015/09/main">
-    <mc:Choice Requires="p159">
-      <p:transition xmlns:p14="http://schemas.microsoft.com/office/powerpoint/2010/main" p14:dur="10">
-        <p159:morph option="byObject"/>
-      </p:transition>
-    </mc:Choice>
-    <mc:Fallback xmlns="">
-      <p:transition>
-        <p:fade/>
-      </p:transition>
-    </mc:Fallback>
-  </mc:AlternateContent>
-</p:sld>
-</file>
-
-<file path=ppt/slides/slide29.xml><?xml version="1.0" encoding="utf-8"?>
-<p:sld xmlns:a="http://schemas.openxmlformats.org/drawingml/2006/main" xmlns:r="http://schemas.openxmlformats.org/officeDocument/2006/relationships" xmlns:p="http://schemas.openxmlformats.org/presentationml/2006/main">
-  <p:cSld>
-    <p:spTree>
-      <p:nvGrpSpPr>
-        <p:cNvPr id="1" name=""/>
-        <p:cNvGrpSpPr/>
-        <p:nvPr/>
-      </p:nvGrpSpPr>
-      <p:grpSpPr>
-        <a:xfrm>
-          <a:off x="0" y="0"/>
-          <a:ext cx="0" cy="0"/>
-          <a:chOff x="0" y="0"/>
-          <a:chExt cx="0" cy="0"/>
-        </a:xfrm>
-      </p:grpSpPr>
-      <p:sp>
-        <p:nvSpPr>
-          <p:cNvPr id="2" name="TextBox 1">
-            <a:extLst>
-              <a:ext uri="{FF2B5EF4-FFF2-40B4-BE49-F238E27FC236}">
-                <a16:creationId xmlns:a16="http://schemas.microsoft.com/office/drawing/2014/main" id="{E3280FF6-7286-D827-0467-BC3F8BFF112A}"/>
-              </a:ext>
-            </a:extLst>
-          </p:cNvPr>
-          <p:cNvSpPr txBox="1"/>
-          <p:nvPr/>
-        </p:nvSpPr>
-        <p:spPr>
-          <a:xfrm>
-            <a:off x="471947" y="698089"/>
-            <a:ext cx="5702709" cy="1077218"/>
-          </a:xfrm>
-          <a:prstGeom prst="rect">
-            <a:avLst/>
-          </a:prstGeom>
-          <a:noFill/>
-        </p:spPr>
-        <p:txBody>
-          <a:bodyPr wrap="square" rtlCol="0">
-            <a:spAutoFit/>
-          </a:bodyPr>
-          <a:lstStyle/>
-          <a:p>
-            <a:r>
-              <a:rPr lang="en-IN" sz="4400" i="1">
-                <a:effectLst/>
-                <a:latin typeface="Arial Black" panose="020B0A04020102020204" pitchFamily="34" charset="0"/>
-              </a:rPr>
-              <a:t>Decision Tree</a:t>
-            </a:r>
-            <a:endParaRPr lang="en-IN" sz="4400" i="0">
-              <a:effectLst/>
-              <a:latin typeface="Arial Black" panose="020B0A04020102020204" pitchFamily="34" charset="0"/>
-            </a:endParaRPr>
-          </a:p>
-          <a:p>
-            <a:endParaRPr lang="en-IN" sz="2000"/>
-          </a:p>
-        </p:txBody>
-      </p:sp>
-      <p:pic>
-        <p:nvPicPr>
-          <p:cNvPr id="4" name="Picture 3">
-            <a:extLst>
-              <a:ext uri="{FF2B5EF4-FFF2-40B4-BE49-F238E27FC236}">
-                <a16:creationId xmlns:a16="http://schemas.microsoft.com/office/drawing/2014/main" id="{D811E83B-07D8-645C-680D-9E7EFBE5CA43}"/>
-              </a:ext>
-            </a:extLst>
-          </p:cNvPr>
-          <p:cNvPicPr>
-            <a:picLocks noChangeAspect="1"/>
-          </p:cNvPicPr>
-          <p:nvPr/>
-        </p:nvPicPr>
-        <p:blipFill>
-          <a:blip r:embed="rId3"/>
-          <a:stretch>
-            <a:fillRect/>
-          </a:stretch>
-        </p:blipFill>
-        <p:spPr>
-          <a:xfrm>
-            <a:off x="1347019" y="2280500"/>
-            <a:ext cx="8799871" cy="2802194"/>
-          </a:xfrm>
-          <a:prstGeom prst="rect">
-            <a:avLst/>
-          </a:prstGeom>
-        </p:spPr>
-      </p:pic>
-      <p:sp>
-        <p:nvSpPr>
-          <p:cNvPr id="3" name="Slide Number Placeholder 2">
-            <a:extLst>
-              <a:ext uri="{FF2B5EF4-FFF2-40B4-BE49-F238E27FC236}">
-                <a16:creationId xmlns:a16="http://schemas.microsoft.com/office/drawing/2014/main" id="{5AA34623-8567-3929-3423-B9DA51914ABE}"/>
-              </a:ext>
-            </a:extLst>
-          </p:cNvPr>
-          <p:cNvSpPr>
-            <a:spLocks noGrp="1"/>
-          </p:cNvSpPr>
-          <p:nvPr>
-            <p:ph type="sldNum" sz="quarter" idx="12"/>
-          </p:nvPr>
-        </p:nvSpPr>
-        <p:spPr/>
-        <p:txBody>
-          <a:bodyPr/>
-          <a:lstStyle/>
-          <a:p>
-            <a:fld id="{83460B64-F492-4B30-8043-33212DC8301C}" type="slidenum">
-              <a:rPr lang="en-IN" smtClean="0"/>
-              <a:t>29</a:t>
-            </a:fld>
-            <a:endParaRPr lang="en-IN"/>
-          </a:p>
-        </p:txBody>
-      </p:sp>
-    </p:spTree>
-    <p:extLst>
-      <p:ext uri="{BB962C8B-B14F-4D97-AF65-F5344CB8AC3E}">
-        <p14:creationId xmlns:p14="http://schemas.microsoft.com/office/powerpoint/2010/main" val="1667231609"/>
-      </p:ext>
-    </p:extLst>
-  </p:cSld>
-  <p:clrMapOvr>
-    <a:masterClrMapping/>
-  </p:clrMapOvr>
-  <mc:AlternateContent xmlns:mc="http://schemas.openxmlformats.org/markup-compatibility/2006" xmlns:p159="http://schemas.microsoft.com/office/powerpoint/2015/09/main">
-    <mc:Choice Requires="p159">
-      <p:transition xmlns:p14="http://schemas.microsoft.com/office/powerpoint/2010/main" p14:dur="10">
-        <p159:morph option="byObject"/>
-      </p:transition>
-    </mc:Choice>
-    <mc:Fallback xmlns="">
-      <p:transition>
-        <p:fade/>
-      </p:transition>
-    </mc:Fallback>
-  </mc:AlternateContent>
-</p:sld>
-</file>
-
-<file path=ppt/slides/slide3.xml><?xml version="1.0" encoding="utf-8"?>
-<p:sld xmlns:a="http://schemas.openxmlformats.org/drawingml/2006/main" xmlns:r="http://schemas.openxmlformats.org/officeDocument/2006/relationships" xmlns:p="http://schemas.openxmlformats.org/presentationml/2006/main">
-  <p:cSld>
-    <p:spTree>
-      <p:nvGrpSpPr>
-        <p:cNvPr id="1" name=""/>
-        <p:cNvGrpSpPr/>
-        <p:nvPr/>
-      </p:nvGrpSpPr>
-      <p:grpSpPr>
-        <a:xfrm>
-          <a:off x="0" y="0"/>
-          <a:ext cx="0" cy="0"/>
-          <a:chOff x="0" y="0"/>
-          <a:chExt cx="0" cy="0"/>
-        </a:xfrm>
-      </p:grpSpPr>
-      <p:sp>
-        <p:nvSpPr>
-          <p:cNvPr id="2" name="Title 1">
-            <a:extLst>
-              <a:ext uri="{FF2B5EF4-FFF2-40B4-BE49-F238E27FC236}">
-                <a16:creationId xmlns:a16="http://schemas.microsoft.com/office/drawing/2014/main" id="{079EC141-D89A-60F2-07AD-9DCD9FC2ED49}"/>
-              </a:ext>
-            </a:extLst>
-          </p:cNvPr>
-          <p:cNvSpPr>
-            <a:spLocks noGrp="1"/>
-          </p:cNvSpPr>
-          <p:nvPr>
-            <p:ph type="title"/>
-          </p:nvPr>
-        </p:nvSpPr>
-        <p:spPr>
-          <a:xfrm>
-            <a:off x="653514" y="1012997"/>
-            <a:ext cx="8761413" cy="706964"/>
-          </a:xfrm>
-        </p:spPr>
-        <p:txBody>
-          <a:bodyPr>
-            <a:noAutofit/>
-          </a:bodyPr>
-          <a:lstStyle/>
-          <a:p>
-            <a:r>
-              <a:rPr lang="en-IN" b="1"/>
-              <a:t>Project Background/Introduction</a:t>
-            </a:r>
-            <a:br>
-              <a:rPr lang="en-IN" b="1" i="1"/>
-            </a:br>
-            <a:endParaRPr lang="en-IN" i="1"/>
-          </a:p>
-        </p:txBody>
-      </p:sp>
-      <p:sp>
-        <p:nvSpPr>
-          <p:cNvPr id="3" name="Content Placeholder 2">
-            <a:extLst>
-              <a:ext uri="{FF2B5EF4-FFF2-40B4-BE49-F238E27FC236}">
-                <a16:creationId xmlns:a16="http://schemas.microsoft.com/office/drawing/2014/main" id="{85F078A2-A532-7912-3D5E-33E96C394152}"/>
-              </a:ext>
-            </a:extLst>
-          </p:cNvPr>
-          <p:cNvSpPr>
-            <a:spLocks noGrp="1"/>
-          </p:cNvSpPr>
-          <p:nvPr>
-            <p:ph idx="1"/>
-          </p:nvPr>
-        </p:nvSpPr>
-        <p:spPr>
-          <a:xfrm>
-            <a:off x="236839" y="2844247"/>
-            <a:ext cx="5766318" cy="3416300"/>
-          </a:xfrm>
-        </p:spPr>
-        <p:txBody>
-          <a:bodyPr>
-            <a:normAutofit/>
-          </a:bodyPr>
-          <a:lstStyle/>
-          <a:p>
-            <a:pPr marL="0" indent="0">
-              <a:buNone/>
-            </a:pPr>
-            <a:r>
-              <a:rPr lang="en-US" sz="2400" i="1"/>
-              <a:t>Credit risk prediction is crucial for financial institutions to assess the likelihood of borrowers defaulting on their loans. This section will explore the importance and challenges of credit risk prediction</a:t>
-            </a:r>
-            <a:r>
-              <a:rPr lang="en-US" sz="3300" i="1"/>
-              <a:t>.</a:t>
-            </a:r>
-          </a:p>
-        </p:txBody>
-      </p:sp>
-      <p:sp>
-        <p:nvSpPr>
-          <p:cNvPr id="4" name="Slide Number Placeholder 3">
-            <a:extLst>
-              <a:ext uri="{FF2B5EF4-FFF2-40B4-BE49-F238E27FC236}">
-                <a16:creationId xmlns:a16="http://schemas.microsoft.com/office/drawing/2014/main" id="{14D47597-1751-09F8-298F-BA05CAB6A304}"/>
-              </a:ext>
-            </a:extLst>
-          </p:cNvPr>
-          <p:cNvSpPr>
-            <a:spLocks noGrp="1"/>
-          </p:cNvSpPr>
-          <p:nvPr>
-            <p:ph type="sldNum" sz="quarter" idx="12"/>
-          </p:nvPr>
-        </p:nvSpPr>
-        <p:spPr/>
-        <p:txBody>
-          <a:bodyPr/>
-          <a:lstStyle/>
-          <a:p>
-            <a:fld id="{83460B64-F492-4B30-8043-33212DC8301C}" type="slidenum">
-              <a:rPr lang="en-IN" smtClean="0"/>
-              <a:t>3</a:t>
-            </a:fld>
-            <a:endParaRPr lang="en-IN"/>
-          </a:p>
-        </p:txBody>
-      </p:sp>
-      <p:pic>
-        <p:nvPicPr>
-          <p:cNvPr id="5" name="Picture 4">
-            <a:extLst>
-              <a:ext uri="{FF2B5EF4-FFF2-40B4-BE49-F238E27FC236}">
-                <a16:creationId xmlns:a16="http://schemas.microsoft.com/office/drawing/2014/main" id="{78ADACB9-9B12-E361-23D4-5F38967FC5B8}"/>
-              </a:ext>
-            </a:extLst>
-          </p:cNvPr>
-          <p:cNvPicPr>
-            <a:picLocks noChangeAspect="1"/>
-          </p:cNvPicPr>
-          <p:nvPr/>
-        </p:nvPicPr>
-        <p:blipFill>
-          <a:blip r:embed="rId2">
-            <a:extLst>
-              <a:ext uri="{28A0092B-C50C-407E-A947-70E740481C1C}">
-                <a14:useLocalDpi xmlns:a14="http://schemas.microsoft.com/office/drawing/2010/main" val="0"/>
-              </a:ext>
-            </a:extLst>
-          </a:blip>
-          <a:stretch>
-            <a:fillRect/>
-          </a:stretch>
-        </p:blipFill>
-        <p:spPr>
-          <a:xfrm>
-            <a:off x="6188845" y="1847505"/>
-            <a:ext cx="5457464" cy="4191708"/>
-          </a:xfrm>
-          <a:prstGeom prst="rect">
-            <a:avLst/>
-          </a:prstGeom>
-        </p:spPr>
-      </p:pic>
-    </p:spTree>
-    <p:extLst>
-      <p:ext uri="{BB962C8B-B14F-4D97-AF65-F5344CB8AC3E}">
-        <p14:creationId xmlns:p14="http://schemas.microsoft.com/office/powerpoint/2010/main" val="1847560674"/>
-      </p:ext>
-    </p:extLst>
-  </p:cSld>
-  <p:clrMapOvr>
-    <a:masterClrMapping/>
-  </p:clrMapOvr>
-  <mc:AlternateContent xmlns:mc="http://schemas.openxmlformats.org/markup-compatibility/2006" xmlns:p159="http://schemas.microsoft.com/office/powerpoint/2015/09/main">
-    <mc:Choice Requires="p159">
-      <p:transition xmlns:p14="http://schemas.microsoft.com/office/powerpoint/2010/main" p14:dur="10">
-        <p159:morph option="byObject"/>
-      </p:transition>
-    </mc:Choice>
-    <mc:Fallback xmlns="">
-      <p:transition>
-        <p:fade/>
-      </p:transition>
-    </mc:Fallback>
-  </mc:AlternateContent>
-</p:sld>
-</file>
-
-<file path=ppt/slides/slide30.xml><?xml version="1.0" encoding="utf-8"?>
-<p:sld xmlns:a="http://schemas.openxmlformats.org/drawingml/2006/main" xmlns:r="http://schemas.openxmlformats.org/officeDocument/2006/relationships" xmlns:p="http://schemas.openxmlformats.org/presentationml/2006/main">
-  <p:cSld>
-    <p:spTree>
-      <p:nvGrpSpPr>
-        <p:cNvPr id="1" name=""/>
-        <p:cNvGrpSpPr/>
-        <p:nvPr/>
-      </p:nvGrpSpPr>
-      <p:grpSpPr>
-        <a:xfrm>
-          <a:off x="0" y="0"/>
-          <a:ext cx="0" cy="0"/>
-          <a:chOff x="0" y="0"/>
-          <a:chExt cx="0" cy="0"/>
-        </a:xfrm>
-      </p:grpSpPr>
-      <p:sp>
-        <p:nvSpPr>
-          <p:cNvPr id="2" name="TextBox 1">
-            <a:extLst>
-              <a:ext uri="{FF2B5EF4-FFF2-40B4-BE49-F238E27FC236}">
-                <a16:creationId xmlns:a16="http://schemas.microsoft.com/office/drawing/2014/main" id="{955EBB93-A530-CFC8-916F-2EE6CAEBF4D3}"/>
-              </a:ext>
-            </a:extLst>
-          </p:cNvPr>
-          <p:cNvSpPr txBox="1"/>
-          <p:nvPr/>
-        </p:nvSpPr>
-        <p:spPr>
-          <a:xfrm>
-            <a:off x="717754" y="609600"/>
-            <a:ext cx="6046839" cy="1138773"/>
-          </a:xfrm>
-          <a:prstGeom prst="rect">
-            <a:avLst/>
-          </a:prstGeom>
-          <a:noFill/>
-        </p:spPr>
-        <p:txBody>
-          <a:bodyPr wrap="square" rtlCol="0">
-            <a:spAutoFit/>
-          </a:bodyPr>
-          <a:lstStyle/>
-          <a:p>
-            <a:r>
-              <a:rPr lang="en-IN" sz="4800" b="1" i="1">
-                <a:effectLst/>
-                <a:latin typeface="Arial Black" panose="020B0A04020102020204" pitchFamily="34" charset="0"/>
-              </a:rPr>
-              <a:t>Random Forest</a:t>
-            </a:r>
-            <a:endParaRPr lang="en-IN" sz="4800" b="1" i="0">
-              <a:effectLst/>
-              <a:latin typeface="Arial Black" panose="020B0A04020102020204" pitchFamily="34" charset="0"/>
-            </a:endParaRPr>
-          </a:p>
-          <a:p>
-            <a:endParaRPr lang="en-IN" sz="2000" b="1"/>
-          </a:p>
-        </p:txBody>
-      </p:sp>
-      <p:pic>
-        <p:nvPicPr>
-          <p:cNvPr id="4" name="Picture 3">
-            <a:extLst>
-              <a:ext uri="{FF2B5EF4-FFF2-40B4-BE49-F238E27FC236}">
-                <a16:creationId xmlns:a16="http://schemas.microsoft.com/office/drawing/2014/main" id="{55D56042-C325-EBE0-259E-EBA747A0F95A}"/>
-              </a:ext>
-            </a:extLst>
-          </p:cNvPr>
-          <p:cNvPicPr>
-            <a:picLocks noChangeAspect="1"/>
-          </p:cNvPicPr>
-          <p:nvPr/>
-        </p:nvPicPr>
-        <p:blipFill>
-          <a:blip r:embed="rId2"/>
-          <a:stretch>
-            <a:fillRect/>
-          </a:stretch>
-        </p:blipFill>
-        <p:spPr>
-          <a:xfrm>
-            <a:off x="1602657" y="2438400"/>
-            <a:ext cx="8986685" cy="3087328"/>
-          </a:xfrm>
-          <a:prstGeom prst="rect">
-            <a:avLst/>
-          </a:prstGeom>
-        </p:spPr>
-      </p:pic>
-      <p:sp>
-        <p:nvSpPr>
-          <p:cNvPr id="3" name="Slide Number Placeholder 2">
-            <a:extLst>
-              <a:ext uri="{FF2B5EF4-FFF2-40B4-BE49-F238E27FC236}">
-                <a16:creationId xmlns:a16="http://schemas.microsoft.com/office/drawing/2014/main" id="{2CFB0ACB-CDAF-6299-A258-9064A26CE89E}"/>
-              </a:ext>
-            </a:extLst>
-          </p:cNvPr>
-          <p:cNvSpPr>
-            <a:spLocks noGrp="1"/>
-          </p:cNvSpPr>
-          <p:nvPr>
-            <p:ph type="sldNum" sz="quarter" idx="12"/>
-          </p:nvPr>
-        </p:nvSpPr>
-        <p:spPr/>
-        <p:txBody>
-          <a:bodyPr/>
-          <a:lstStyle/>
-          <a:p>
-            <a:fld id="{83460B64-F492-4B30-8043-33212DC8301C}" type="slidenum">
-              <a:rPr lang="en-IN" smtClean="0"/>
-              <a:t>30</a:t>
-            </a:fld>
-            <a:endParaRPr lang="en-IN"/>
-          </a:p>
-        </p:txBody>
-      </p:sp>
-    </p:spTree>
-    <p:extLst>
-      <p:ext uri="{BB962C8B-B14F-4D97-AF65-F5344CB8AC3E}">
-        <p14:creationId xmlns:p14="http://schemas.microsoft.com/office/powerpoint/2010/main" val="1035850729"/>
-      </p:ext>
-    </p:extLst>
-  </p:cSld>
-  <p:clrMapOvr>
-    <a:masterClrMapping/>
-  </p:clrMapOvr>
-  <mc:AlternateContent xmlns:mc="http://schemas.openxmlformats.org/markup-compatibility/2006" xmlns:p159="http://schemas.microsoft.com/office/powerpoint/2015/09/main">
-    <mc:Choice Requires="p159">
-      <p:transition xmlns:p14="http://schemas.microsoft.com/office/powerpoint/2010/main" p14:dur="10">
-        <p159:morph option="byObject"/>
-      </p:transition>
-    </mc:Choice>
-    <mc:Fallback xmlns="">
-      <p:transition>
-        <p:fade/>
-      </p:transition>
-    </mc:Fallback>
-  </mc:AlternateContent>
-</p:sld>
-</file>
-
-<file path=ppt/slides/slide31.xml><?xml version="1.0" encoding="utf-8"?>
-<p:sld xmlns:a="http://schemas.openxmlformats.org/drawingml/2006/main" xmlns:r="http://schemas.openxmlformats.org/officeDocument/2006/relationships" xmlns:p="http://schemas.openxmlformats.org/presentationml/2006/main">
-  <p:cSld>
-    <p:spTree>
-      <p:nvGrpSpPr>
-        <p:cNvPr id="1" name=""/>
-        <p:cNvGrpSpPr/>
-        <p:nvPr/>
-      </p:nvGrpSpPr>
-      <p:grpSpPr>
-        <a:xfrm>
-          <a:off x="0" y="0"/>
-          <a:ext cx="0" cy="0"/>
-          <a:chOff x="0" y="0"/>
-          <a:chExt cx="0" cy="0"/>
-        </a:xfrm>
-      </p:grpSpPr>
-      <p:sp>
-        <p:nvSpPr>
-          <p:cNvPr id="2" name="TextBox 1">
-            <a:extLst>
-              <a:ext uri="{FF2B5EF4-FFF2-40B4-BE49-F238E27FC236}">
-                <a16:creationId xmlns:a16="http://schemas.microsoft.com/office/drawing/2014/main" id="{2F87FF31-2109-44D6-4907-74398733C070}"/>
-              </a:ext>
-            </a:extLst>
-          </p:cNvPr>
-          <p:cNvSpPr txBox="1"/>
-          <p:nvPr/>
-        </p:nvSpPr>
-        <p:spPr>
-          <a:xfrm>
-            <a:off x="471948" y="648929"/>
-            <a:ext cx="8003458" cy="2554545"/>
-          </a:xfrm>
-          <a:prstGeom prst="rect">
-            <a:avLst/>
-          </a:prstGeom>
-          <a:noFill/>
-        </p:spPr>
-        <p:txBody>
-          <a:bodyPr wrap="square" rtlCol="0">
-            <a:spAutoFit/>
-          </a:bodyPr>
-          <a:lstStyle/>
-          <a:p>
-            <a:pPr algn="l"/>
-            <a:r>
-              <a:rPr lang="en-IN" sz="4000" b="1" i="1">
-                <a:effectLst/>
-                <a:latin typeface="Arial Black" panose="020B0A04020102020204" pitchFamily="34" charset="0"/>
-              </a:rPr>
-              <a:t>K-Nearest</a:t>
-            </a:r>
-            <a:r>
-              <a:rPr lang="en-IN" sz="4000" b="1" i="1">
-                <a:solidFill>
-                  <a:srgbClr val="D5D5D5"/>
-                </a:solidFill>
-                <a:effectLst/>
-                <a:latin typeface="Arial Black" panose="020B0A04020102020204" pitchFamily="34" charset="0"/>
-              </a:rPr>
-              <a:t> </a:t>
-            </a:r>
-            <a:r>
-              <a:rPr lang="en-IN" sz="4000" b="1" i="1">
-                <a:effectLst/>
-                <a:latin typeface="Arial Black" panose="020B0A04020102020204" pitchFamily="34" charset="0"/>
-              </a:rPr>
-              <a:t>Neighbour (KNN)</a:t>
-            </a:r>
-            <a:endParaRPr lang="en-IN" sz="4000" b="1" i="0">
-              <a:effectLst/>
-              <a:latin typeface="Arial Black" panose="020B0A04020102020204" pitchFamily="34" charset="0"/>
-            </a:endParaRPr>
-          </a:p>
-          <a:p>
-            <a:pPr algn="l"/>
-            <a:endParaRPr lang="en-IN" sz="4000" b="1" i="0">
-              <a:solidFill>
-                <a:srgbClr val="D5D5D5"/>
-              </a:solidFill>
-              <a:effectLst/>
-              <a:latin typeface="Arial Black" panose="020B0A04020102020204" pitchFamily="34" charset="0"/>
-            </a:endParaRPr>
-          </a:p>
-          <a:p>
-            <a:br>
-              <a:rPr lang="en-IN" sz="4000" b="1">
-                <a:latin typeface="Arial Black" panose="020B0A04020102020204" pitchFamily="34" charset="0"/>
-              </a:rPr>
-            </a:br>
-            <a:endParaRPr lang="en-IN" sz="4000" b="1">
-              <a:latin typeface="Arial Black" panose="020B0A04020102020204" pitchFamily="34" charset="0"/>
-            </a:endParaRPr>
-          </a:p>
-        </p:txBody>
-      </p:sp>
-      <p:pic>
-        <p:nvPicPr>
-          <p:cNvPr id="4" name="Picture 3">
-            <a:extLst>
-              <a:ext uri="{FF2B5EF4-FFF2-40B4-BE49-F238E27FC236}">
-                <a16:creationId xmlns:a16="http://schemas.microsoft.com/office/drawing/2014/main" id="{49EC0F06-FCAE-FEAE-D481-F26CCD6E886E}"/>
-              </a:ext>
-            </a:extLst>
-          </p:cNvPr>
-          <p:cNvPicPr>
-            <a:picLocks noChangeAspect="1"/>
-          </p:cNvPicPr>
-          <p:nvPr/>
-        </p:nvPicPr>
-        <p:blipFill>
-          <a:blip r:embed="rId2"/>
-          <a:stretch>
-            <a:fillRect/>
-          </a:stretch>
-        </p:blipFill>
-        <p:spPr>
-          <a:xfrm>
-            <a:off x="1651819" y="2438401"/>
-            <a:ext cx="9733935" cy="2880851"/>
-          </a:xfrm>
-          <a:prstGeom prst="rect">
-            <a:avLst/>
-          </a:prstGeom>
-        </p:spPr>
-      </p:pic>
-      <p:sp>
-        <p:nvSpPr>
-          <p:cNvPr id="3" name="Slide Number Placeholder 2">
-            <a:extLst>
-              <a:ext uri="{FF2B5EF4-FFF2-40B4-BE49-F238E27FC236}">
-                <a16:creationId xmlns:a16="http://schemas.microsoft.com/office/drawing/2014/main" id="{ADE1E327-73F7-6A38-45EB-11FFF8D27094}"/>
-              </a:ext>
-            </a:extLst>
-          </p:cNvPr>
-          <p:cNvSpPr>
-            <a:spLocks noGrp="1"/>
-          </p:cNvSpPr>
-          <p:nvPr>
-            <p:ph type="sldNum" sz="quarter" idx="12"/>
-          </p:nvPr>
-        </p:nvSpPr>
-        <p:spPr/>
-        <p:txBody>
-          <a:bodyPr/>
-          <a:lstStyle/>
-          <a:p>
-            <a:fld id="{83460B64-F492-4B30-8043-33212DC8301C}" type="slidenum">
-              <a:rPr lang="en-IN" smtClean="0"/>
-              <a:t>31</a:t>
-            </a:fld>
-            <a:endParaRPr lang="en-IN"/>
-          </a:p>
-        </p:txBody>
-      </p:sp>
-    </p:spTree>
-    <p:extLst>
-      <p:ext uri="{BB962C8B-B14F-4D97-AF65-F5344CB8AC3E}">
-        <p14:creationId xmlns:p14="http://schemas.microsoft.com/office/powerpoint/2010/main" val="3635022378"/>
-      </p:ext>
-    </p:extLst>
-  </p:cSld>
-  <p:clrMapOvr>
-    <a:masterClrMapping/>
-  </p:clrMapOvr>
-  <mc:AlternateContent xmlns:mc="http://schemas.openxmlformats.org/markup-compatibility/2006" xmlns:p159="http://schemas.microsoft.com/office/powerpoint/2015/09/main">
-    <mc:Choice Requires="p159">
-      <p:transition xmlns:p14="http://schemas.microsoft.com/office/powerpoint/2010/main" p14:dur="10">
-        <p159:morph option="byObject"/>
-      </p:transition>
-    </mc:Choice>
-    <mc:Fallback xmlns="">
-      <p:transition>
-        <p:fade/>
-      </p:transition>
-    </mc:Fallback>
-  </mc:AlternateContent>
-</p:sld>
-</file>
-
-<file path=ppt/slides/slide32.xml><?xml version="1.0" encoding="utf-8"?>
-<p:sld xmlns:a="http://schemas.openxmlformats.org/drawingml/2006/main" xmlns:r="http://schemas.openxmlformats.org/officeDocument/2006/relationships" xmlns:p="http://schemas.openxmlformats.org/presentationml/2006/main">
-  <p:cSld>
-    <p:spTree>
-      <p:nvGrpSpPr>
-        <p:cNvPr id="1" name=""/>
-        <p:cNvGrpSpPr/>
-        <p:nvPr/>
-      </p:nvGrpSpPr>
-      <p:grpSpPr>
-        <a:xfrm>
-          <a:off x="0" y="0"/>
-          <a:ext cx="0" cy="0"/>
-          <a:chOff x="0" y="0"/>
-          <a:chExt cx="0" cy="0"/>
-        </a:xfrm>
-      </p:grpSpPr>
-      <p:sp>
-        <p:nvSpPr>
-          <p:cNvPr id="2" name="TextBox 1">
-            <a:extLst>
-              <a:ext uri="{FF2B5EF4-FFF2-40B4-BE49-F238E27FC236}">
-                <a16:creationId xmlns:a16="http://schemas.microsoft.com/office/drawing/2014/main" id="{D47E6A71-9A65-ECBC-F044-139B74A3A81A}"/>
-              </a:ext>
-            </a:extLst>
-          </p:cNvPr>
-          <p:cNvSpPr txBox="1"/>
-          <p:nvPr/>
-        </p:nvSpPr>
-        <p:spPr>
-          <a:xfrm>
-            <a:off x="560439" y="550606"/>
-            <a:ext cx="8917858" cy="877163"/>
-          </a:xfrm>
-          <a:prstGeom prst="rect">
-            <a:avLst/>
-          </a:prstGeom>
-          <a:noFill/>
-        </p:spPr>
-        <p:txBody>
-          <a:bodyPr wrap="square" rtlCol="0">
-            <a:spAutoFit/>
-          </a:bodyPr>
-          <a:lstStyle/>
-          <a:p>
-            <a:r>
-              <a:rPr lang="en-IN" sz="4000" i="1">
-                <a:effectLst/>
-                <a:latin typeface="Arial Black" panose="020B0A04020102020204" pitchFamily="34" charset="0"/>
-              </a:rPr>
-              <a:t>Ridge Logistic Regression</a:t>
-            </a:r>
-            <a:endParaRPr lang="en-IN" sz="4000" i="0">
-              <a:effectLst/>
-              <a:latin typeface="Arial Black" panose="020B0A04020102020204" pitchFamily="34" charset="0"/>
-            </a:endParaRPr>
-          </a:p>
-          <a:p>
-            <a:endParaRPr lang="en-IN" sz="1050"/>
-          </a:p>
-        </p:txBody>
-      </p:sp>
-      <p:pic>
-        <p:nvPicPr>
-          <p:cNvPr id="4" name="Picture 3">
-            <a:extLst>
-              <a:ext uri="{FF2B5EF4-FFF2-40B4-BE49-F238E27FC236}">
-                <a16:creationId xmlns:a16="http://schemas.microsoft.com/office/drawing/2014/main" id="{A70DB2B0-F25D-D033-6241-14D55B51E020}"/>
-              </a:ext>
-            </a:extLst>
-          </p:cNvPr>
-          <p:cNvPicPr>
-            <a:picLocks noChangeAspect="1"/>
-          </p:cNvPicPr>
-          <p:nvPr/>
-        </p:nvPicPr>
-        <p:blipFill>
-          <a:blip r:embed="rId2"/>
-          <a:stretch>
-            <a:fillRect/>
-          </a:stretch>
-        </p:blipFill>
-        <p:spPr>
-          <a:xfrm>
-            <a:off x="1347019" y="2123767"/>
-            <a:ext cx="10078065" cy="2939845"/>
-          </a:xfrm>
-          <a:prstGeom prst="rect">
-            <a:avLst/>
-          </a:prstGeom>
-        </p:spPr>
-      </p:pic>
-      <p:sp>
-        <p:nvSpPr>
-          <p:cNvPr id="3" name="Slide Number Placeholder 2">
-            <a:extLst>
-              <a:ext uri="{FF2B5EF4-FFF2-40B4-BE49-F238E27FC236}">
-                <a16:creationId xmlns:a16="http://schemas.microsoft.com/office/drawing/2014/main" id="{39F019A8-C43C-F4A3-C125-A2DED74595D1}"/>
-              </a:ext>
-            </a:extLst>
-          </p:cNvPr>
-          <p:cNvSpPr>
-            <a:spLocks noGrp="1"/>
-          </p:cNvSpPr>
-          <p:nvPr>
-            <p:ph type="sldNum" sz="quarter" idx="12"/>
-          </p:nvPr>
-        </p:nvSpPr>
-        <p:spPr/>
-        <p:txBody>
-          <a:bodyPr/>
-          <a:lstStyle/>
-          <a:p>
-            <a:fld id="{83460B64-F492-4B30-8043-33212DC8301C}" type="slidenum">
-              <a:rPr lang="en-IN" smtClean="0"/>
-              <a:t>32</a:t>
-            </a:fld>
-            <a:endParaRPr lang="en-IN"/>
-          </a:p>
-        </p:txBody>
-      </p:sp>
-    </p:spTree>
-    <p:extLst>
-      <p:ext uri="{BB962C8B-B14F-4D97-AF65-F5344CB8AC3E}">
-        <p14:creationId xmlns:p14="http://schemas.microsoft.com/office/powerpoint/2010/main" val="223251604"/>
-      </p:ext>
-    </p:extLst>
-  </p:cSld>
-  <p:clrMapOvr>
-    <a:masterClrMapping/>
-  </p:clrMapOvr>
-  <mc:AlternateContent xmlns:mc="http://schemas.openxmlformats.org/markup-compatibility/2006" xmlns:p159="http://schemas.microsoft.com/office/powerpoint/2015/09/main">
-    <mc:Choice Requires="p159">
-      <p:transition xmlns:p14="http://schemas.microsoft.com/office/powerpoint/2010/main" p14:dur="10">
-        <p159:morph option="byObject"/>
-      </p:transition>
-    </mc:Choice>
-    <mc:Fallback xmlns="">
-      <p:transition>
-        <p:fade/>
-      </p:transition>
-    </mc:Fallback>
-  </mc:AlternateContent>
-</p:sld>
-</file>
-
-<file path=ppt/slides/slide33.xml><?xml version="1.0" encoding="utf-8"?>
-<p:sld xmlns:a="http://schemas.openxmlformats.org/drawingml/2006/main" xmlns:r="http://schemas.openxmlformats.org/officeDocument/2006/relationships" xmlns:p="http://schemas.openxmlformats.org/presentationml/2006/main">
-  <p:cSld>
-    <p:spTree>
-      <p:nvGrpSpPr>
-        <p:cNvPr id="1" name=""/>
-        <p:cNvGrpSpPr/>
-        <p:nvPr/>
-      </p:nvGrpSpPr>
-      <p:grpSpPr>
-        <a:xfrm>
-          <a:off x="0" y="0"/>
-          <a:ext cx="0" cy="0"/>
-          <a:chOff x="0" y="0"/>
-          <a:chExt cx="0" cy="0"/>
-        </a:xfrm>
-      </p:grpSpPr>
-      <p:sp>
-        <p:nvSpPr>
-          <p:cNvPr id="6" name="TextBox 5">
-            <a:extLst>
-              <a:ext uri="{FF2B5EF4-FFF2-40B4-BE49-F238E27FC236}">
-                <a16:creationId xmlns:a16="http://schemas.microsoft.com/office/drawing/2014/main" id="{2B79FF53-5240-61CD-E4A5-0966F7974E53}"/>
-              </a:ext>
-            </a:extLst>
-          </p:cNvPr>
-          <p:cNvSpPr txBox="1"/>
-          <p:nvPr/>
-        </p:nvSpPr>
-        <p:spPr>
-          <a:xfrm>
-            <a:off x="1022555" y="1233948"/>
-            <a:ext cx="6331974" cy="1504335"/>
-          </a:xfrm>
-          <a:prstGeom prst="rect">
-            <a:avLst/>
-          </a:prstGeom>
-          <a:noFill/>
-        </p:spPr>
-        <p:txBody>
-          <a:bodyPr wrap="square" rtlCol="0">
-            <a:spAutoFit/>
-          </a:bodyPr>
-          <a:lstStyle/>
-          <a:p>
-            <a:endParaRPr lang="en-IN"/>
-          </a:p>
-        </p:txBody>
-      </p:sp>
-      <p:sp>
-        <p:nvSpPr>
-          <p:cNvPr id="11" name="TextBox 10">
-            <a:extLst>
-              <a:ext uri="{FF2B5EF4-FFF2-40B4-BE49-F238E27FC236}">
-                <a16:creationId xmlns:a16="http://schemas.microsoft.com/office/drawing/2014/main" id="{25B0BDBB-9AD9-A9B0-3463-6672F569530D}"/>
-              </a:ext>
-            </a:extLst>
-          </p:cNvPr>
-          <p:cNvSpPr txBox="1"/>
-          <p:nvPr/>
-        </p:nvSpPr>
-        <p:spPr>
-          <a:xfrm>
-            <a:off x="511277" y="690936"/>
-            <a:ext cx="7354529" cy="984885"/>
-          </a:xfrm>
-          <a:prstGeom prst="rect">
-            <a:avLst/>
-          </a:prstGeom>
-          <a:noFill/>
-        </p:spPr>
-        <p:txBody>
-          <a:bodyPr wrap="square" rtlCol="0">
-            <a:spAutoFit/>
-          </a:bodyPr>
-          <a:lstStyle/>
-          <a:p>
-            <a:r>
-              <a:rPr lang="en-IN" sz="4000" b="1" i="1">
-                <a:effectLst/>
-                <a:latin typeface="Arial Black" panose="020B0A04020102020204" pitchFamily="34" charset="0"/>
-              </a:rPr>
-              <a:t>K-Means Clustering</a:t>
-            </a:r>
-            <a:endParaRPr lang="en-IN" sz="4000" b="1" i="0">
-              <a:effectLst/>
-              <a:latin typeface="Arial Black" panose="020B0A04020102020204" pitchFamily="34" charset="0"/>
-            </a:endParaRPr>
-          </a:p>
-          <a:p>
-            <a:endParaRPr lang="en-IN"/>
-          </a:p>
-        </p:txBody>
-      </p:sp>
-      <p:pic>
-        <p:nvPicPr>
-          <p:cNvPr id="13" name="Picture 12">
-            <a:extLst>
-              <a:ext uri="{FF2B5EF4-FFF2-40B4-BE49-F238E27FC236}">
-                <a16:creationId xmlns:a16="http://schemas.microsoft.com/office/drawing/2014/main" id="{DE8206EF-6DBE-12CA-EAA0-9BE5678DEFA8}"/>
-              </a:ext>
-            </a:extLst>
-          </p:cNvPr>
-          <p:cNvPicPr>
-            <a:picLocks noChangeAspect="1"/>
-          </p:cNvPicPr>
-          <p:nvPr/>
-        </p:nvPicPr>
-        <p:blipFill>
-          <a:blip r:embed="rId2"/>
-          <a:stretch>
-            <a:fillRect/>
-          </a:stretch>
-        </p:blipFill>
-        <p:spPr>
-          <a:xfrm>
-            <a:off x="2300748" y="2408903"/>
-            <a:ext cx="7944465" cy="2713704"/>
-          </a:xfrm>
-          <a:prstGeom prst="rect">
-            <a:avLst/>
-          </a:prstGeom>
-        </p:spPr>
-      </p:pic>
-      <p:sp>
-        <p:nvSpPr>
-          <p:cNvPr id="2" name="Slide Number Placeholder 1">
-            <a:extLst>
-              <a:ext uri="{FF2B5EF4-FFF2-40B4-BE49-F238E27FC236}">
-                <a16:creationId xmlns:a16="http://schemas.microsoft.com/office/drawing/2014/main" id="{638A4370-6924-8003-2D97-0088855F8A02}"/>
-              </a:ext>
-            </a:extLst>
-          </p:cNvPr>
-          <p:cNvSpPr>
-            <a:spLocks noGrp="1"/>
-          </p:cNvSpPr>
-          <p:nvPr>
-            <p:ph type="sldNum" sz="quarter" idx="12"/>
-          </p:nvPr>
-        </p:nvSpPr>
-        <p:spPr/>
-        <p:txBody>
-          <a:bodyPr/>
-          <a:lstStyle/>
-          <a:p>
-            <a:fld id="{83460B64-F492-4B30-8043-33212DC8301C}" type="slidenum">
-              <a:rPr lang="en-IN" smtClean="0"/>
-              <a:t>33</a:t>
-            </a:fld>
-            <a:endParaRPr lang="en-IN"/>
-          </a:p>
-        </p:txBody>
-      </p:sp>
-    </p:spTree>
-    <p:extLst>
-      <p:ext uri="{BB962C8B-B14F-4D97-AF65-F5344CB8AC3E}">
-        <p14:creationId xmlns:p14="http://schemas.microsoft.com/office/powerpoint/2010/main" val="798046286"/>
-      </p:ext>
-    </p:extLst>
-  </p:cSld>
-  <p:clrMapOvr>
-    <a:masterClrMapping/>
-  </p:clrMapOvr>
-  <mc:AlternateContent xmlns:mc="http://schemas.openxmlformats.org/markup-compatibility/2006" xmlns:p159="http://schemas.microsoft.com/office/powerpoint/2015/09/main">
-    <mc:Choice Requires="p159">
-      <p:transition xmlns:p14="http://schemas.microsoft.com/office/powerpoint/2010/main" p14:dur="10">
-        <p159:morph option="byObject"/>
-      </p:transition>
-    </mc:Choice>
-    <mc:Fallback xmlns="">
-      <p:transition>
-        <p:fade/>
-      </p:transition>
-    </mc:Fallback>
-  </mc:AlternateContent>
-</p:sld>
-</file>
-
-<file path=ppt/slides/slide34.xml><?xml version="1.0" encoding="utf-8"?>
-<p:sld xmlns:a="http://schemas.openxmlformats.org/drawingml/2006/main" xmlns:r="http://schemas.openxmlformats.org/officeDocument/2006/relationships" xmlns:p="http://schemas.openxmlformats.org/presentationml/2006/main">
-  <p:cSld>
-    <p:spTree>
-      <p:nvGrpSpPr>
-        <p:cNvPr id="1" name=""/>
-        <p:cNvGrpSpPr/>
-        <p:nvPr/>
-      </p:nvGrpSpPr>
-      <p:grpSpPr>
-        <a:xfrm>
-          <a:off x="0" y="0"/>
-          <a:ext cx="0" cy="0"/>
-          <a:chOff x="0" y="0"/>
-          <a:chExt cx="0" cy="0"/>
-        </a:xfrm>
-      </p:grpSpPr>
-      <p:sp>
-        <p:nvSpPr>
-          <p:cNvPr id="2" name="TextBox 1">
-            <a:extLst>
-              <a:ext uri="{FF2B5EF4-FFF2-40B4-BE49-F238E27FC236}">
-                <a16:creationId xmlns:a16="http://schemas.microsoft.com/office/drawing/2014/main" id="{56ED6A5D-67C6-6E29-4B87-3B00F1455040}"/>
-              </a:ext>
-            </a:extLst>
-          </p:cNvPr>
-          <p:cNvSpPr txBox="1"/>
-          <p:nvPr/>
-        </p:nvSpPr>
-        <p:spPr>
-          <a:xfrm>
-            <a:off x="707923" y="401049"/>
-            <a:ext cx="4395019" cy="1231106"/>
-          </a:xfrm>
-          <a:prstGeom prst="rect">
-            <a:avLst/>
-          </a:prstGeom>
-          <a:noFill/>
-        </p:spPr>
-        <p:txBody>
-          <a:bodyPr wrap="square" rtlCol="0">
-            <a:spAutoFit/>
-          </a:bodyPr>
-          <a:lstStyle/>
-          <a:p>
-            <a:r>
-              <a:rPr lang="en-IN" sz="5400" b="1" i="1">
-                <a:effectLst/>
-                <a:latin typeface="Arial Black" panose="020B0A04020102020204" pitchFamily="34" charset="0"/>
-              </a:rPr>
-              <a:t>XG Boost</a:t>
-            </a:r>
-            <a:endParaRPr lang="en-IN" sz="5400" b="1" i="0">
-              <a:effectLst/>
-              <a:latin typeface="Arial Black" panose="020B0A04020102020204" pitchFamily="34" charset="0"/>
-            </a:endParaRPr>
-          </a:p>
-          <a:p>
-            <a:endParaRPr lang="en-IN" sz="2000"/>
-          </a:p>
-        </p:txBody>
-      </p:sp>
-      <p:pic>
-        <p:nvPicPr>
-          <p:cNvPr id="4" name="Picture 3">
-            <a:extLst>
-              <a:ext uri="{FF2B5EF4-FFF2-40B4-BE49-F238E27FC236}">
-                <a16:creationId xmlns:a16="http://schemas.microsoft.com/office/drawing/2014/main" id="{1DADD8BF-963D-2337-9088-C9B1360CB7AA}"/>
-              </a:ext>
-            </a:extLst>
-          </p:cNvPr>
-          <p:cNvPicPr>
-            <a:picLocks noChangeAspect="1"/>
-          </p:cNvPicPr>
-          <p:nvPr/>
-        </p:nvPicPr>
-        <p:blipFill>
-          <a:blip r:embed="rId2"/>
-          <a:stretch>
-            <a:fillRect/>
-          </a:stretch>
-        </p:blipFill>
-        <p:spPr>
-          <a:xfrm>
-            <a:off x="2288458" y="2639962"/>
-            <a:ext cx="7615084" cy="2477729"/>
-          </a:xfrm>
-          <a:prstGeom prst="rect">
-            <a:avLst/>
-          </a:prstGeom>
-        </p:spPr>
-      </p:pic>
-      <p:sp>
-        <p:nvSpPr>
-          <p:cNvPr id="3" name="Slide Number Placeholder 2">
-            <a:extLst>
-              <a:ext uri="{FF2B5EF4-FFF2-40B4-BE49-F238E27FC236}">
-                <a16:creationId xmlns:a16="http://schemas.microsoft.com/office/drawing/2014/main" id="{BA83C731-3AF0-5384-1ECA-F8559F6E4706}"/>
-              </a:ext>
-            </a:extLst>
-          </p:cNvPr>
-          <p:cNvSpPr>
-            <a:spLocks noGrp="1"/>
-          </p:cNvSpPr>
-          <p:nvPr>
-            <p:ph type="sldNum" sz="quarter" idx="12"/>
-          </p:nvPr>
-        </p:nvSpPr>
-        <p:spPr/>
-        <p:txBody>
-          <a:bodyPr/>
-          <a:lstStyle/>
-          <a:p>
-            <a:fld id="{83460B64-F492-4B30-8043-33212DC8301C}" type="slidenum">
-              <a:rPr lang="en-IN" smtClean="0"/>
-              <a:t>34</a:t>
-            </a:fld>
-            <a:endParaRPr lang="en-IN"/>
-          </a:p>
-        </p:txBody>
-      </p:sp>
-    </p:spTree>
-    <p:extLst>
-      <p:ext uri="{BB962C8B-B14F-4D97-AF65-F5344CB8AC3E}">
-        <p14:creationId xmlns:p14="http://schemas.microsoft.com/office/powerpoint/2010/main" val="3437065988"/>
-      </p:ext>
-    </p:extLst>
-  </p:cSld>
-  <p:clrMapOvr>
-    <a:masterClrMapping/>
-  </p:clrMapOvr>
-  <mc:AlternateContent xmlns:mc="http://schemas.openxmlformats.org/markup-compatibility/2006" xmlns:p159="http://schemas.microsoft.com/office/powerpoint/2015/09/main">
-    <mc:Choice Requires="p159">
-      <p:transition xmlns:p14="http://schemas.microsoft.com/office/powerpoint/2010/main" p14:dur="10">
-        <p159:morph option="byObject"/>
-      </p:transition>
-    </mc:Choice>
-    <mc:Fallback xmlns="">
-      <p:transition>
-        <p:fade/>
-      </p:transition>
-    </mc:Fallback>
-  </mc:AlternateContent>
-</p:sld>
-</file>
-
-<file path=ppt/slides/slide35.xml><?xml version="1.0" encoding="utf-8"?>
-<p:sld xmlns:a="http://schemas.openxmlformats.org/drawingml/2006/main" xmlns:r="http://schemas.openxmlformats.org/officeDocument/2006/relationships" xmlns:p="http://schemas.openxmlformats.org/presentationml/2006/main">
-  <p:cSld>
-    <p:spTree>
-      <p:nvGrpSpPr>
-        <p:cNvPr id="1" name=""/>
-        <p:cNvGrpSpPr/>
-        <p:nvPr/>
-      </p:nvGrpSpPr>
-      <p:grpSpPr>
-        <a:xfrm>
-          <a:off x="0" y="0"/>
-          <a:ext cx="0" cy="0"/>
-          <a:chOff x="0" y="0"/>
-          <a:chExt cx="0" cy="0"/>
-        </a:xfrm>
-      </p:grpSpPr>
-      <p:sp>
-        <p:nvSpPr>
-          <p:cNvPr id="2" name="TextBox 1">
-            <a:extLst>
-              <a:ext uri="{FF2B5EF4-FFF2-40B4-BE49-F238E27FC236}">
-                <a16:creationId xmlns:a16="http://schemas.microsoft.com/office/drawing/2014/main" id="{CB6B09C3-D665-E714-5D94-9005FC40902E}"/>
-              </a:ext>
-            </a:extLst>
-          </p:cNvPr>
-          <p:cNvSpPr txBox="1"/>
-          <p:nvPr/>
-        </p:nvSpPr>
-        <p:spPr>
-          <a:xfrm>
-            <a:off x="137652" y="530942"/>
-            <a:ext cx="9360309" cy="984885"/>
-          </a:xfrm>
-          <a:prstGeom prst="rect">
-            <a:avLst/>
-          </a:prstGeom>
-          <a:noFill/>
-        </p:spPr>
-        <p:txBody>
-          <a:bodyPr wrap="square" rtlCol="0">
-            <a:spAutoFit/>
-          </a:bodyPr>
-          <a:lstStyle/>
-          <a:p>
-            <a:r>
-              <a:rPr lang="en-IN" sz="4000" b="1" i="1">
-                <a:effectLst/>
-                <a:latin typeface="Arial Black" panose="020B0A04020102020204" pitchFamily="34" charset="0"/>
-              </a:rPr>
-              <a:t>Support Vector Machine (SVM)</a:t>
-            </a:r>
-            <a:endParaRPr lang="en-IN" sz="4000" b="1" i="0">
-              <a:effectLst/>
-              <a:latin typeface="Arial Black" panose="020B0A04020102020204" pitchFamily="34" charset="0"/>
-            </a:endParaRPr>
-          </a:p>
-          <a:p>
-            <a:endParaRPr lang="en-IN"/>
-          </a:p>
-        </p:txBody>
-      </p:sp>
-      <p:pic>
-        <p:nvPicPr>
-          <p:cNvPr id="4" name="Picture 3">
-            <a:extLst>
-              <a:ext uri="{FF2B5EF4-FFF2-40B4-BE49-F238E27FC236}">
-                <a16:creationId xmlns:a16="http://schemas.microsoft.com/office/drawing/2014/main" id="{3567C619-3FC8-AD6F-FAD2-871454090DFA}"/>
-              </a:ext>
-            </a:extLst>
-          </p:cNvPr>
-          <p:cNvPicPr>
-            <a:picLocks noChangeAspect="1"/>
-          </p:cNvPicPr>
-          <p:nvPr/>
-        </p:nvPicPr>
-        <p:blipFill>
-          <a:blip r:embed="rId2"/>
-          <a:stretch>
-            <a:fillRect/>
-          </a:stretch>
-        </p:blipFill>
-        <p:spPr>
-          <a:xfrm>
-            <a:off x="1573161" y="2521504"/>
-            <a:ext cx="9222657" cy="2620767"/>
-          </a:xfrm>
-          <a:prstGeom prst="rect">
-            <a:avLst/>
-          </a:prstGeom>
-        </p:spPr>
-      </p:pic>
-      <p:sp>
-        <p:nvSpPr>
-          <p:cNvPr id="3" name="Slide Number Placeholder 2">
-            <a:extLst>
-              <a:ext uri="{FF2B5EF4-FFF2-40B4-BE49-F238E27FC236}">
-                <a16:creationId xmlns:a16="http://schemas.microsoft.com/office/drawing/2014/main" id="{B4689D86-0CDE-9951-0872-96CFFD09B9CA}"/>
-              </a:ext>
-            </a:extLst>
-          </p:cNvPr>
-          <p:cNvSpPr>
-            <a:spLocks noGrp="1"/>
-          </p:cNvSpPr>
-          <p:nvPr>
-            <p:ph type="sldNum" sz="quarter" idx="12"/>
-          </p:nvPr>
-        </p:nvSpPr>
-        <p:spPr/>
-        <p:txBody>
-          <a:bodyPr/>
-          <a:lstStyle/>
-          <a:p>
-            <a:fld id="{83460B64-F492-4B30-8043-33212DC8301C}" type="slidenum">
-              <a:rPr lang="en-IN" smtClean="0"/>
-              <a:t>35</a:t>
-            </a:fld>
-            <a:endParaRPr lang="en-IN"/>
-          </a:p>
-        </p:txBody>
-      </p:sp>
-    </p:spTree>
-    <p:extLst>
-      <p:ext uri="{BB962C8B-B14F-4D97-AF65-F5344CB8AC3E}">
-        <p14:creationId xmlns:p14="http://schemas.microsoft.com/office/powerpoint/2010/main" val="421123064"/>
-      </p:ext>
-    </p:extLst>
-  </p:cSld>
-  <p:clrMapOvr>
-    <a:masterClrMapping/>
-  </p:clrMapOvr>
-  <mc:AlternateContent xmlns:mc="http://schemas.openxmlformats.org/markup-compatibility/2006" xmlns:p159="http://schemas.microsoft.com/office/powerpoint/2015/09/main">
-    <mc:Choice Requires="p159">
-      <p:transition xmlns:p14="http://schemas.microsoft.com/office/powerpoint/2010/main" p14:dur="10">
-        <p159:morph option="byObject"/>
-      </p:transition>
-    </mc:Choice>
-    <mc:Fallback xmlns="">
-      <p:transition>
-        <p:fade/>
-      </p:transition>
-    </mc:Fallback>
-  </mc:AlternateContent>
-</p:sld>
-</file>
-
 <file path=ppt/slides/slide36.xml><?xml version="1.0" encoding="utf-8"?>
 <p:sld xmlns:a="http://schemas.openxmlformats.org/drawingml/2006/main" xmlns:r="http://schemas.openxmlformats.org/officeDocument/2006/relationships" xmlns:p="http://schemas.openxmlformats.org/presentationml/2006/main">
   <p:cSld>
@@ -20388,91 +20395,6 @@
                 <a:schemeClr val="bg1">
                   <a:lumMod val="85000"/>
                 </a:schemeClr>
-              </a:solidFill>
-            </a:endParaRPr>
-          </a:p>
-        </p:txBody>
-      </p:sp>
-      <p:sp>
-        <p:nvSpPr>
-          <p:cNvPr id="11" name="TextBox 10">
-            <a:extLst>
-              <a:ext uri="{FF2B5EF4-FFF2-40B4-BE49-F238E27FC236}">
-                <a16:creationId xmlns:a16="http://schemas.microsoft.com/office/drawing/2014/main" id="{2E468AE3-DFCC-2AA0-435A-5035DDCEB9C2}"/>
-              </a:ext>
-            </a:extLst>
-          </p:cNvPr>
-          <p:cNvSpPr txBox="1"/>
-          <p:nvPr/>
-        </p:nvSpPr>
-        <p:spPr>
-          <a:xfrm>
-            <a:off x="9333879" y="4886788"/>
-            <a:ext cx="5073445" cy="2308324"/>
-          </a:xfrm>
-          <a:prstGeom prst="rect">
-            <a:avLst/>
-          </a:prstGeom>
-          <a:noFill/>
-        </p:spPr>
-        <p:txBody>
-          <a:bodyPr wrap="square" lIns="91440" tIns="45720" rIns="91440" bIns="45720" rtlCol="0" anchor="t">
-            <a:spAutoFit/>
-          </a:bodyPr>
-          <a:lstStyle/>
-          <a:p>
-            <a:r>
-              <a:rPr lang="en-IN" sz="2400">
-                <a:latin typeface="Arial"/>
-                <a:cs typeface="Arial"/>
-              </a:rPr>
-              <a:t>ARYAN VAKHARIA</a:t>
-            </a:r>
-            <a:endParaRPr lang="en-US" sz="2400">
-              <a:latin typeface="Arial"/>
-              <a:cs typeface="Arial"/>
-            </a:endParaRPr>
-          </a:p>
-          <a:p>
-            <a:r>
-              <a:rPr lang="en-IN" sz="2400">
-                <a:latin typeface="Arial"/>
-                <a:cs typeface="Arial"/>
-              </a:rPr>
-              <a:t>D.BHARATH</a:t>
-            </a:r>
-          </a:p>
-          <a:p>
-            <a:r>
-              <a:rPr lang="en-IN" sz="2400">
-                <a:latin typeface="Arial"/>
-                <a:cs typeface="Arial"/>
-              </a:rPr>
-              <a:t>A.VASUDEV</a:t>
-            </a:r>
-          </a:p>
-          <a:p>
-            <a:r>
-              <a:rPr lang="en-IN" sz="2400">
-                <a:latin typeface="Arial"/>
-                <a:cs typeface="Arial"/>
-              </a:rPr>
-              <a:t>K.MANIKANTA</a:t>
-            </a:r>
-          </a:p>
-          <a:p>
-            <a:r>
-              <a:rPr lang="en-IN" sz="2400">
-                <a:latin typeface="Arial"/>
-                <a:cs typeface="Arial"/>
-              </a:rPr>
-              <a:t>A.AAKASH</a:t>
-            </a:r>
-          </a:p>
-          <a:p>
-            <a:endParaRPr lang="en-IN" sz="2400">
-              <a:solidFill>
-                <a:srgbClr val="FFC000"/>
               </a:solidFill>
             </a:endParaRPr>
           </a:p>
@@ -21078,7 +21000,7 @@
         </p:nvSpPr>
         <p:spPr>
           <a:xfrm>
-            <a:off x="4097338" y="5159375"/>
+            <a:off x="4097338" y="5041900"/>
             <a:ext cx="8094662" cy="2847975"/>
           </a:xfrm>
         </p:spPr>
@@ -21131,7 +21053,7 @@
         </p:nvSpPr>
         <p:spPr>
           <a:xfrm>
-            <a:off x="3657600" y="3806825"/>
+            <a:off x="3657600" y="3739961"/>
             <a:ext cx="8534400" cy="2847975"/>
           </a:xfrm>
         </p:spPr>
@@ -21160,6 +21082,52 @@
               <a:latin typeface="Verdana" panose="020B0604030504040204" pitchFamily="34" charset="0"/>
               <a:ea typeface="Verdana" panose="020B0604030504040204" pitchFamily="34" charset="0"/>
             </a:endParaRPr>
+          </a:p>
+        </p:txBody>
+      </p:sp>
+      <p:sp>
+        <p:nvSpPr>
+          <p:cNvPr id="11" name="TextBox 10">
+            <a:extLst>
+              <a:ext uri="{FF2B5EF4-FFF2-40B4-BE49-F238E27FC236}">
+                <a16:creationId xmlns:a16="http://schemas.microsoft.com/office/drawing/2014/main" id="{0D90DB4F-B0B7-B435-86C2-DF1D4993DFB7}"/>
+              </a:ext>
+            </a:extLst>
+          </p:cNvPr>
+          <p:cNvSpPr txBox="1"/>
+          <p:nvPr/>
+        </p:nvSpPr>
+        <p:spPr>
+          <a:xfrm>
+            <a:off x="1229084" y="6172438"/>
+            <a:ext cx="11208774" cy="830997"/>
+          </a:xfrm>
+          <a:prstGeom prst="rect">
+            <a:avLst/>
+          </a:prstGeom>
+          <a:noFill/>
+        </p:spPr>
+        <p:txBody>
+          <a:bodyPr wrap="square" lIns="91440" tIns="45720" rIns="91440" bIns="45720" rtlCol="0" anchor="t">
+            <a:spAutoFit/>
+          </a:bodyPr>
+          <a:lstStyle/>
+          <a:p>
+            <a:r>
+              <a:rPr lang="en-US" sz="2400">
+                <a:latin typeface="Verdana"/>
+                <a:ea typeface="Verdana"/>
+              </a:rPr>
+              <a:t>       The data consists of 21 columns and 1000 observations</a:t>
+            </a:r>
+            <a:r>
+              <a:rPr lang="en-US" sz="2400"/>
+              <a:t>.</a:t>
+            </a:r>
+            <a:endParaRPr lang="en-IN" sz="2400"/>
+          </a:p>
+          <a:p>
+            <a:endParaRPr lang="en-IN" sz="2400"/>
           </a:p>
         </p:txBody>
       </p:sp>
